--- a/Wirbelströmungen.pptx
+++ b/Wirbelströmungen.pptx
@@ -8,9 +8,11 @@
     <p:sldId id="256" r:id="rId2"/>
     <p:sldId id="257" r:id="rId3"/>
     <p:sldId id="258" r:id="rId4"/>
-    <p:sldId id="259" r:id="rId5"/>
-    <p:sldId id="260" r:id="rId6"/>
-    <p:sldId id="261" r:id="rId7"/>
+    <p:sldId id="264" r:id="rId5"/>
+    <p:sldId id="262" r:id="rId6"/>
+    <p:sldId id="259" r:id="rId7"/>
+    <p:sldId id="260" r:id="rId8"/>
+    <p:sldId id="261" r:id="rId9"/>
   </p:sldIdLst>
   <p:sldSz cx="12192000" cy="6858000"/>
   <p:notesSz cx="6858000" cy="9144000"/>
@@ -3500,6 +3502,12 @@
           <a:p>
             <a:r>
               <a:rPr lang="de-DE" dirty="0"/>
+              <a:t>Implementierung</a:t>
+            </a:r>
+          </a:p>
+          <a:p>
+            <a:r>
+              <a:rPr lang="de-DE" dirty="0"/>
               <a:t>Details der Implementierung</a:t>
             </a:r>
           </a:p>
@@ -3638,7 +3646,7 @@
           <p:cNvPr id="2" name="Titel 1">
             <a:extLst>
               <a:ext uri="{FF2B5EF4-FFF2-40B4-BE49-F238E27FC236}">
-                <a16:creationId xmlns:a16="http://schemas.microsoft.com/office/drawing/2014/main" id="{2F1E5A69-44F0-44D6-8DC8-B7272566D0A4}"/>
+                <a16:creationId xmlns:a16="http://schemas.microsoft.com/office/drawing/2014/main" id="{EF819853-C21D-4426-B7CF-DDA2CB272E7C}"/>
               </a:ext>
             </a:extLst>
           </p:cNvPr>
@@ -3656,44 +3664,55 @@
           <a:p>
             <a:r>
               <a:rPr lang="de-DE" dirty="0"/>
-              <a:t>Details der Implementierung</a:t>
-            </a:r>
-          </a:p>
-        </p:txBody>
-      </p:sp>
-      <p:sp>
-        <p:nvSpPr>
-          <p:cNvPr id="3" name="Inhaltsplatzhalter 2">
-            <a:extLst>
-              <a:ext uri="{FF2B5EF4-FFF2-40B4-BE49-F238E27FC236}">
-                <a16:creationId xmlns:a16="http://schemas.microsoft.com/office/drawing/2014/main" id="{A06F2CC8-736C-4A07-BC26-38A0B0542614}"/>
-              </a:ext>
-            </a:extLst>
-          </p:cNvPr>
-          <p:cNvSpPr>
-            <a:spLocks noGrp="1"/>
-          </p:cNvSpPr>
-          <p:nvPr>
-            <p:ph idx="1"/>
-          </p:nvPr>
-        </p:nvSpPr>
-        <p:spPr/>
-        <p:txBody>
-          <a:bodyPr/>
-          <a:lstStyle/>
-          <a:p>
-            <a:r>
-              <a:rPr lang="de-DE"/>
-              <a:t> </a:t>
-            </a:r>
-            <a:endParaRPr lang="de-DE" dirty="0"/>
+              <a:t>Implementierung</a:t>
+            </a:r>
+          </a:p>
+        </p:txBody>
+      </p:sp>
+      <p:sp>
+        <p:nvSpPr>
+          <p:cNvPr id="4" name="Textfeld 3">
+            <a:extLst>
+              <a:ext uri="{FF2B5EF4-FFF2-40B4-BE49-F238E27FC236}">
+                <a16:creationId xmlns:a16="http://schemas.microsoft.com/office/drawing/2014/main" id="{5FB8EFE6-60CC-4256-86AF-DEFEE47140F9}"/>
+              </a:ext>
+            </a:extLst>
+          </p:cNvPr>
+          <p:cNvSpPr txBox="1"/>
+          <p:nvPr/>
+        </p:nvSpPr>
+        <p:spPr>
+          <a:xfrm>
+            <a:off x="5458121" y="1536569"/>
+            <a:ext cx="952840" cy="369332"/>
+          </a:xfrm>
+          <a:prstGeom prst="rect">
+            <a:avLst/>
+          </a:prstGeom>
+          <a:noFill/>
+          <a:ln>
+            <a:solidFill>
+              <a:schemeClr val="accent1"/>
+            </a:solidFill>
+          </a:ln>
+        </p:spPr>
+        <p:txBody>
+          <a:bodyPr wrap="square" rtlCol="0">
+            <a:spAutoFit/>
+          </a:bodyPr>
+          <a:lstStyle/>
+          <a:p>
+            <a:r>
+              <a:rPr lang="de-DE" dirty="0"/>
+              <a:t>w(0)</a:t>
+            </a:r>
           </a:p>
         </p:txBody>
       </p:sp>
     </p:spTree>
     <p:extLst>
       <p:ext uri="{BB962C8B-B14F-4D97-AF65-F5344CB8AC3E}">
-        <p14:creationId xmlns:p14="http://schemas.microsoft.com/office/powerpoint/2010/main" val="2560660053"/>
+        <p14:creationId xmlns:p14="http://schemas.microsoft.com/office/powerpoint/2010/main" val="4145347295"/>
       </p:ext>
     </p:extLst>
   </p:cSld>
@@ -3725,6 +3744,183 @@
           <p:cNvPr id="2" name="Titel 1">
             <a:extLst>
               <a:ext uri="{FF2B5EF4-FFF2-40B4-BE49-F238E27FC236}">
+                <a16:creationId xmlns:a16="http://schemas.microsoft.com/office/drawing/2014/main" id="{2F1E5A69-44F0-44D6-8DC8-B7272566D0A4}"/>
+              </a:ext>
+            </a:extLst>
+          </p:cNvPr>
+          <p:cNvSpPr>
+            <a:spLocks noGrp="1"/>
+          </p:cNvSpPr>
+          <p:nvPr>
+            <p:ph type="title"/>
+          </p:nvPr>
+        </p:nvSpPr>
+        <p:spPr/>
+        <p:txBody>
+          <a:bodyPr/>
+          <a:lstStyle/>
+          <a:p>
+            <a:r>
+              <a:rPr lang="de-DE" dirty="0"/>
+              <a:t>Details der Implementierung - </a:t>
+            </a:r>
+            <a:r>
+              <a:rPr lang="de-DE" dirty="0" err="1"/>
+              <a:t>Stencils</a:t>
+            </a:r>
+            <a:endParaRPr lang="de-DE" dirty="0"/>
+          </a:p>
+        </p:txBody>
+      </p:sp>
+      <p:sp>
+        <p:nvSpPr>
+          <p:cNvPr id="3" name="Inhaltsplatzhalter 2">
+            <a:extLst>
+              <a:ext uri="{FF2B5EF4-FFF2-40B4-BE49-F238E27FC236}">
+                <a16:creationId xmlns:a16="http://schemas.microsoft.com/office/drawing/2014/main" id="{A06F2CC8-736C-4A07-BC26-38A0B0542614}"/>
+              </a:ext>
+            </a:extLst>
+          </p:cNvPr>
+          <p:cNvSpPr>
+            <a:spLocks noGrp="1"/>
+          </p:cNvSpPr>
+          <p:nvPr>
+            <p:ph idx="1"/>
+          </p:nvPr>
+        </p:nvSpPr>
+        <p:spPr/>
+        <p:txBody>
+          <a:bodyPr/>
+          <a:lstStyle/>
+          <a:p>
+            <a:r>
+              <a:rPr lang="de-DE" dirty="0"/>
+              <a:t> </a:t>
+            </a:r>
+          </a:p>
+        </p:txBody>
+      </p:sp>
+    </p:spTree>
+    <p:extLst>
+      <p:ext uri="{BB962C8B-B14F-4D97-AF65-F5344CB8AC3E}">
+        <p14:creationId xmlns:p14="http://schemas.microsoft.com/office/powerpoint/2010/main" val="49827521"/>
+      </p:ext>
+    </p:extLst>
+  </p:cSld>
+  <p:clrMapOvr>
+    <a:masterClrMapping/>
+  </p:clrMapOvr>
+</p:sld>
+</file>
+
+<file path=ppt/slides/slide6.xml><?xml version="1.0" encoding="utf-8"?>
+<p:sld xmlns:a="http://schemas.openxmlformats.org/drawingml/2006/main" xmlns:r="http://schemas.openxmlformats.org/officeDocument/2006/relationships" xmlns:p="http://schemas.openxmlformats.org/presentationml/2006/main">
+  <p:cSld>
+    <p:spTree>
+      <p:nvGrpSpPr>
+        <p:cNvPr id="1" name=""/>
+        <p:cNvGrpSpPr/>
+        <p:nvPr/>
+      </p:nvGrpSpPr>
+      <p:grpSpPr>
+        <a:xfrm>
+          <a:off x="0" y="0"/>
+          <a:ext cx="0" cy="0"/>
+          <a:chOff x="0" y="0"/>
+          <a:chExt cx="0" cy="0"/>
+        </a:xfrm>
+      </p:grpSpPr>
+      <p:sp>
+        <p:nvSpPr>
+          <p:cNvPr id="2" name="Titel 1">
+            <a:extLst>
+              <a:ext uri="{FF2B5EF4-FFF2-40B4-BE49-F238E27FC236}">
+                <a16:creationId xmlns:a16="http://schemas.microsoft.com/office/drawing/2014/main" id="{2F1E5A69-44F0-44D6-8DC8-B7272566D0A4}"/>
+              </a:ext>
+            </a:extLst>
+          </p:cNvPr>
+          <p:cNvSpPr>
+            <a:spLocks noGrp="1"/>
+          </p:cNvSpPr>
+          <p:nvPr>
+            <p:ph type="title"/>
+          </p:nvPr>
+        </p:nvSpPr>
+        <p:spPr/>
+        <p:txBody>
+          <a:bodyPr/>
+          <a:lstStyle/>
+          <a:p>
+            <a:r>
+              <a:rPr lang="de-DE" dirty="0"/>
+              <a:t>Details der Implementierung - Multithreading </a:t>
+            </a:r>
+          </a:p>
+        </p:txBody>
+      </p:sp>
+      <p:sp>
+        <p:nvSpPr>
+          <p:cNvPr id="3" name="Inhaltsplatzhalter 2">
+            <a:extLst>
+              <a:ext uri="{FF2B5EF4-FFF2-40B4-BE49-F238E27FC236}">
+                <a16:creationId xmlns:a16="http://schemas.microsoft.com/office/drawing/2014/main" id="{A06F2CC8-736C-4A07-BC26-38A0B0542614}"/>
+              </a:ext>
+            </a:extLst>
+          </p:cNvPr>
+          <p:cNvSpPr>
+            <a:spLocks noGrp="1"/>
+          </p:cNvSpPr>
+          <p:nvPr>
+            <p:ph idx="1"/>
+          </p:nvPr>
+        </p:nvSpPr>
+        <p:spPr/>
+        <p:txBody>
+          <a:bodyPr/>
+          <a:lstStyle/>
+          <a:p>
+            <a:r>
+              <a:rPr lang="de-DE" dirty="0"/>
+              <a:t> </a:t>
+            </a:r>
+          </a:p>
+        </p:txBody>
+      </p:sp>
+    </p:spTree>
+    <p:extLst>
+      <p:ext uri="{BB962C8B-B14F-4D97-AF65-F5344CB8AC3E}">
+        <p14:creationId xmlns:p14="http://schemas.microsoft.com/office/powerpoint/2010/main" val="2560660053"/>
+      </p:ext>
+    </p:extLst>
+  </p:cSld>
+  <p:clrMapOvr>
+    <a:masterClrMapping/>
+  </p:clrMapOvr>
+</p:sld>
+</file>
+
+<file path=ppt/slides/slide7.xml><?xml version="1.0" encoding="utf-8"?>
+<p:sld xmlns:a="http://schemas.openxmlformats.org/drawingml/2006/main" xmlns:r="http://schemas.openxmlformats.org/officeDocument/2006/relationships" xmlns:p="http://schemas.openxmlformats.org/presentationml/2006/main">
+  <p:cSld>
+    <p:spTree>
+      <p:nvGrpSpPr>
+        <p:cNvPr id="1" name=""/>
+        <p:cNvGrpSpPr/>
+        <p:nvPr/>
+      </p:nvGrpSpPr>
+      <p:grpSpPr>
+        <a:xfrm>
+          <a:off x="0" y="0"/>
+          <a:ext cx="0" cy="0"/>
+          <a:chOff x="0" y="0"/>
+          <a:chExt cx="0" cy="0"/>
+        </a:xfrm>
+      </p:grpSpPr>
+      <p:sp>
+        <p:nvSpPr>
+          <p:cNvPr id="2" name="Titel 1">
+            <a:extLst>
+              <a:ext uri="{FF2B5EF4-FFF2-40B4-BE49-F238E27FC236}">
                 <a16:creationId xmlns:a16="http://schemas.microsoft.com/office/drawing/2014/main" id="{7D532B7C-F4FA-433C-92D9-82A89D65C461}"/>
               </a:ext>
             </a:extLst>
@@ -3786,7 +3982,7 @@
 </p:sld>
 </file>
 
-<file path=ppt/slides/slide6.xml><?xml version="1.0" encoding="utf-8"?>
+<file path=ppt/slides/slide8.xml><?xml version="1.0" encoding="utf-8"?>
 <p:sld xmlns:a="http://schemas.openxmlformats.org/drawingml/2006/main" xmlns:r="http://schemas.openxmlformats.org/officeDocument/2006/relationships" xmlns:p="http://schemas.openxmlformats.org/presentationml/2006/main">
   <p:cSld>
     <p:spTree>

--- a/Wirbelströmungen.pptx
+++ b/Wirbelströmungen.pptx
@@ -8,11 +8,16 @@
     <p:sldId id="256" r:id="rId2"/>
     <p:sldId id="257" r:id="rId3"/>
     <p:sldId id="258" r:id="rId4"/>
-    <p:sldId id="264" r:id="rId5"/>
-    <p:sldId id="262" r:id="rId6"/>
-    <p:sldId id="259" r:id="rId7"/>
-    <p:sldId id="260" r:id="rId8"/>
-    <p:sldId id="261" r:id="rId9"/>
+    <p:sldId id="266" r:id="rId5"/>
+    <p:sldId id="267" r:id="rId6"/>
+    <p:sldId id="265" r:id="rId7"/>
+    <p:sldId id="268" r:id="rId8"/>
+    <p:sldId id="262" r:id="rId9"/>
+    <p:sldId id="259" r:id="rId10"/>
+    <p:sldId id="260" r:id="rId11"/>
+    <p:sldId id="269" r:id="rId12"/>
+    <p:sldId id="270" r:id="rId13"/>
+    <p:sldId id="261" r:id="rId14"/>
   </p:sldIdLst>
   <p:sldSz cx="12192000" cy="6858000"/>
   <p:notesSz cx="6858000" cy="9144000"/>
@@ -111,7 +116,59 @@
       </a:defRPr>
     </a:lvl9pPr>
   </p:defaultTextStyle>
+  <p:extLst>
+    <p:ext uri="{521415D9-36F7-43E2-AB2F-B90AF26B5E84}">
+      <p14:sectionLst xmlns:p14="http://schemas.microsoft.com/office/powerpoint/2010/main">
+        <p14:section name="Standardabschnitt" id="{DDD48AFB-EAB2-4E5E-9422-3E9BAFCCBFAB}">
+          <p14:sldIdLst>
+            <p14:sldId id="256"/>
+            <p14:sldId id="257"/>
+            <p14:sldId id="258"/>
+            <p14:sldId id="266"/>
+            <p14:sldId id="267"/>
+            <p14:sldId id="265"/>
+            <p14:sldId id="268"/>
+            <p14:sldId id="262"/>
+            <p14:sldId id="259"/>
+            <p14:sldId id="260"/>
+            <p14:sldId id="269"/>
+            <p14:sldId id="270"/>
+            <p14:sldId id="261"/>
+          </p14:sldIdLst>
+        </p14:section>
+      </p14:sectionLst>
+    </p:ext>
+    <p:ext uri="{EFAFB233-063F-42B5-8137-9DF3F51BA10A}">
+      <p15:sldGuideLst xmlns:p15="http://schemas.microsoft.com/office/powerpoint/2012/main"/>
+    </p:ext>
+  </p:extLst>
 </p:presentation>
+</file>
+
+<file path=ppt/commentAuthors.xml><?xml version="1.0" encoding="utf-8"?>
+<p:cmAuthorLst xmlns:a="http://schemas.openxmlformats.org/drawingml/2006/main" xmlns:r="http://schemas.openxmlformats.org/officeDocument/2006/relationships" xmlns:p="http://schemas.openxmlformats.org/presentationml/2006/main">
+  <p:cmAuthor id="1" name="Til Mager" initials="TM" lastIdx="1" clrIdx="0">
+    <p:extLst>
+      <p:ext uri="{19B8F6BF-5375-455C-9EA6-DF929625EA0E}">
+        <p15:presenceInfo xmlns:p15="http://schemas.microsoft.com/office/powerpoint/2012/main" userId="f3a7859fbc67889a" providerId="Windows Live"/>
+      </p:ext>
+    </p:extLst>
+  </p:cmAuthor>
+</p:cmAuthorLst>
+</file>
+
+<file path=ppt/comments/comment1.xml><?xml version="1.0" encoding="utf-8"?>
+<p:cmLst xmlns:a="http://schemas.openxmlformats.org/drawingml/2006/main" xmlns:r="http://schemas.openxmlformats.org/officeDocument/2006/relationships" xmlns:p="http://schemas.openxmlformats.org/presentationml/2006/main">
+  <p:cm authorId="1" dt="2018-10-21T17:17:26.725" idx="1">
+    <p:pos x="576" y="1536"/>
+    <p:text>Sagen: Praktisch nicht anwendbar.</p:text>
+    <p:extLst>
+      <p:ext uri="{C676402C-5697-4E1C-873F-D02D1690AC5C}">
+        <p15:threadingInfo xmlns:p15="http://schemas.microsoft.com/office/powerpoint/2012/main" timeZoneBias="-120"/>
+      </p:ext>
+    </p:extLst>
+  </p:cm>
+</p:cmLst>
 </file>
 
 <file path=ppt/slideLayouts/slideLayout1.xml><?xml version="1.0" encoding="utf-8"?>
@@ -261,7 +318,7 @@
           <a:p>
             <a:fld id="{AF522B97-2A89-4916-8F01-528FB9D4A918}" type="datetimeFigureOut">
               <a:rPr lang="de-DE" smtClean="0"/>
-              <a:t>19.10.2018</a:t>
+              <a:t>22.10.2018</a:t>
             </a:fld>
             <a:endParaRPr lang="de-DE"/>
           </a:p>
@@ -459,7 +516,7 @@
           <a:p>
             <a:fld id="{AF522B97-2A89-4916-8F01-528FB9D4A918}" type="datetimeFigureOut">
               <a:rPr lang="de-DE" smtClean="0"/>
-              <a:t>19.10.2018</a:t>
+              <a:t>22.10.2018</a:t>
             </a:fld>
             <a:endParaRPr lang="de-DE"/>
           </a:p>
@@ -667,7 +724,7 @@
           <a:p>
             <a:fld id="{AF522B97-2A89-4916-8F01-528FB9D4A918}" type="datetimeFigureOut">
               <a:rPr lang="de-DE" smtClean="0"/>
-              <a:t>19.10.2018</a:t>
+              <a:t>22.10.2018</a:t>
             </a:fld>
             <a:endParaRPr lang="de-DE"/>
           </a:p>
@@ -865,7 +922,7 @@
           <a:p>
             <a:fld id="{AF522B97-2A89-4916-8F01-528FB9D4A918}" type="datetimeFigureOut">
               <a:rPr lang="de-DE" smtClean="0"/>
-              <a:t>19.10.2018</a:t>
+              <a:t>22.10.2018</a:t>
             </a:fld>
             <a:endParaRPr lang="de-DE"/>
           </a:p>
@@ -1140,7 +1197,7 @@
           <a:p>
             <a:fld id="{AF522B97-2A89-4916-8F01-528FB9D4A918}" type="datetimeFigureOut">
               <a:rPr lang="de-DE" smtClean="0"/>
-              <a:t>19.10.2018</a:t>
+              <a:t>22.10.2018</a:t>
             </a:fld>
             <a:endParaRPr lang="de-DE"/>
           </a:p>
@@ -1405,7 +1462,7 @@
           <a:p>
             <a:fld id="{AF522B97-2A89-4916-8F01-528FB9D4A918}" type="datetimeFigureOut">
               <a:rPr lang="de-DE" smtClean="0"/>
-              <a:t>19.10.2018</a:t>
+              <a:t>22.10.2018</a:t>
             </a:fld>
             <a:endParaRPr lang="de-DE"/>
           </a:p>
@@ -1817,7 +1874,7 @@
           <a:p>
             <a:fld id="{AF522B97-2A89-4916-8F01-528FB9D4A918}" type="datetimeFigureOut">
               <a:rPr lang="de-DE" smtClean="0"/>
-              <a:t>19.10.2018</a:t>
+              <a:t>22.10.2018</a:t>
             </a:fld>
             <a:endParaRPr lang="de-DE"/>
           </a:p>
@@ -1958,7 +2015,7 @@
           <a:p>
             <a:fld id="{AF522B97-2A89-4916-8F01-528FB9D4A918}" type="datetimeFigureOut">
               <a:rPr lang="de-DE" smtClean="0"/>
-              <a:t>19.10.2018</a:t>
+              <a:t>22.10.2018</a:t>
             </a:fld>
             <a:endParaRPr lang="de-DE"/>
           </a:p>
@@ -2071,7 +2128,7 @@
           <a:p>
             <a:fld id="{AF522B97-2A89-4916-8F01-528FB9D4A918}" type="datetimeFigureOut">
               <a:rPr lang="de-DE" smtClean="0"/>
-              <a:t>19.10.2018</a:t>
+              <a:t>22.10.2018</a:t>
             </a:fld>
             <a:endParaRPr lang="de-DE"/>
           </a:p>
@@ -2382,7 +2439,7 @@
           <a:p>
             <a:fld id="{AF522B97-2A89-4916-8F01-528FB9D4A918}" type="datetimeFigureOut">
               <a:rPr lang="de-DE" smtClean="0"/>
-              <a:t>19.10.2018</a:t>
+              <a:t>22.10.2018</a:t>
             </a:fld>
             <a:endParaRPr lang="de-DE"/>
           </a:p>
@@ -2670,7 +2727,7 @@
           <a:p>
             <a:fld id="{AF522B97-2A89-4916-8F01-528FB9D4A918}" type="datetimeFigureOut">
               <a:rPr lang="de-DE" smtClean="0"/>
-              <a:t>19.10.2018</a:t>
+              <a:t>22.10.2018</a:t>
             </a:fld>
             <a:endParaRPr lang="de-DE"/>
           </a:p>
@@ -2911,7 +2968,7 @@
           <a:p>
             <a:fld id="{AF522B97-2A89-4916-8F01-528FB9D4A918}" type="datetimeFigureOut">
               <a:rPr lang="de-DE" smtClean="0"/>
-              <a:t>19.10.2018</a:t>
+              <a:t>22.10.2018</a:t>
             </a:fld>
             <a:endParaRPr lang="de-DE"/>
           </a:p>
@@ -3314,6 +3371,14 @@
 <file path=ppt/slides/slide1.xml><?xml version="1.0" encoding="utf-8"?>
 <p:sld xmlns:a="http://schemas.openxmlformats.org/drawingml/2006/main" xmlns:r="http://schemas.openxmlformats.org/officeDocument/2006/relationships" xmlns:p="http://schemas.openxmlformats.org/presentationml/2006/main">
   <p:cSld>
+    <p:bg>
+      <p:bgPr>
+        <a:solidFill>
+          <a:schemeClr val="bg1"/>
+        </a:solidFill>
+        <a:effectLst/>
+      </p:bgPr>
+    </p:bg>
     <p:spTree>
       <p:nvGrpSpPr>
         <p:cNvPr id="1" name=""/>
@@ -3344,14 +3409,19 @@
             <p:ph type="ctrTitle"/>
           </p:nvPr>
         </p:nvSpPr>
-        <p:spPr/>
+        <p:spPr>
+          <a:xfrm>
+            <a:off x="415636" y="18473"/>
+            <a:ext cx="9144000" cy="2387600"/>
+          </a:xfrm>
+        </p:spPr>
         <p:txBody>
           <a:bodyPr/>
           <a:lstStyle/>
           <a:p>
             <a:r>
               <a:rPr lang="de-DE" dirty="0"/>
-              <a:t>Projekt Simulation von Wirbelströmungen</a:t>
+              <a:t>Projekt Simulation von 			Wirbelströmungen</a:t>
             </a:r>
           </a:p>
         </p:txBody>
@@ -3428,9 +3498,381 @@
 </p:sld>
 </file>
 
+<file path=ppt/slides/slide10.xml><?xml version="1.0" encoding="utf-8"?>
+<p:sld xmlns:a="http://schemas.openxmlformats.org/drawingml/2006/main" xmlns:r="http://schemas.openxmlformats.org/officeDocument/2006/relationships" xmlns:p="http://schemas.openxmlformats.org/presentationml/2006/main">
+  <p:cSld>
+    <p:bg>
+      <p:bgPr>
+        <a:solidFill>
+          <a:schemeClr val="bg1"/>
+        </a:solidFill>
+        <a:effectLst/>
+      </p:bgPr>
+    </p:bg>
+    <p:spTree>
+      <p:nvGrpSpPr>
+        <p:cNvPr id="1" name=""/>
+        <p:cNvGrpSpPr/>
+        <p:nvPr/>
+      </p:nvGrpSpPr>
+      <p:grpSpPr>
+        <a:xfrm>
+          <a:off x="0" y="0"/>
+          <a:ext cx="0" cy="0"/>
+          <a:chOff x="0" y="0"/>
+          <a:chExt cx="0" cy="0"/>
+        </a:xfrm>
+      </p:grpSpPr>
+      <p:sp>
+        <p:nvSpPr>
+          <p:cNvPr id="2" name="Titel 1">
+            <a:extLst>
+              <a:ext uri="{FF2B5EF4-FFF2-40B4-BE49-F238E27FC236}">
+                <a16:creationId xmlns:a16="http://schemas.microsoft.com/office/drawing/2014/main" id="{7D532B7C-F4FA-433C-92D9-82A89D65C461}"/>
+              </a:ext>
+            </a:extLst>
+          </p:cNvPr>
+          <p:cNvSpPr>
+            <a:spLocks noGrp="1"/>
+          </p:cNvSpPr>
+          <p:nvPr>
+            <p:ph type="title"/>
+          </p:nvPr>
+        </p:nvSpPr>
+        <p:spPr/>
+        <p:txBody>
+          <a:bodyPr/>
+          <a:lstStyle/>
+          <a:p>
+            <a:r>
+              <a:rPr lang="de-DE" dirty="0"/>
+              <a:t>Ergebnisse</a:t>
+            </a:r>
+          </a:p>
+        </p:txBody>
+      </p:sp>
+      <p:sp>
+        <p:nvSpPr>
+          <p:cNvPr id="7" name="Inhaltsplatzhalter 6">
+            <a:extLst>
+              <a:ext uri="{FF2B5EF4-FFF2-40B4-BE49-F238E27FC236}">
+                <a16:creationId xmlns:a16="http://schemas.microsoft.com/office/drawing/2014/main" id="{BD3AED99-800C-45A2-8800-C7EDEC4B9495}"/>
+              </a:ext>
+            </a:extLst>
+          </p:cNvPr>
+          <p:cNvSpPr>
+            <a:spLocks noGrp="1"/>
+          </p:cNvSpPr>
+          <p:nvPr>
+            <p:ph idx="1"/>
+          </p:nvPr>
+        </p:nvSpPr>
+        <p:spPr/>
+        <p:txBody>
+          <a:bodyPr/>
+          <a:lstStyle/>
+          <a:p>
+            <a:endParaRPr lang="de-DE" dirty="0"/>
+          </a:p>
+        </p:txBody>
+      </p:sp>
+    </p:spTree>
+    <p:extLst>
+      <p:ext uri="{BB962C8B-B14F-4D97-AF65-F5344CB8AC3E}">
+        <p14:creationId xmlns:p14="http://schemas.microsoft.com/office/powerpoint/2010/main" val="2953397228"/>
+      </p:ext>
+    </p:extLst>
+  </p:cSld>
+  <p:clrMapOvr>
+    <a:masterClrMapping/>
+  </p:clrMapOvr>
+</p:sld>
+</file>
+
+<file path=ppt/slides/slide11.xml><?xml version="1.0" encoding="utf-8"?>
+<p:sld xmlns:a="http://schemas.openxmlformats.org/drawingml/2006/main" xmlns:r="http://schemas.openxmlformats.org/officeDocument/2006/relationships" xmlns:p="http://schemas.openxmlformats.org/presentationml/2006/main">
+  <p:cSld>
+    <p:bg>
+      <p:bgPr>
+        <a:solidFill>
+          <a:schemeClr val="bg1"/>
+        </a:solidFill>
+        <a:effectLst/>
+      </p:bgPr>
+    </p:bg>
+    <p:spTree>
+      <p:nvGrpSpPr>
+        <p:cNvPr id="1" name=""/>
+        <p:cNvGrpSpPr/>
+        <p:nvPr/>
+      </p:nvGrpSpPr>
+      <p:grpSpPr>
+        <a:xfrm>
+          <a:off x="0" y="0"/>
+          <a:ext cx="0" cy="0"/>
+          <a:chOff x="0" y="0"/>
+          <a:chExt cx="0" cy="0"/>
+        </a:xfrm>
+      </p:grpSpPr>
+      <p:sp>
+        <p:nvSpPr>
+          <p:cNvPr id="2" name="Titel 1">
+            <a:extLst>
+              <a:ext uri="{FF2B5EF4-FFF2-40B4-BE49-F238E27FC236}">
+                <a16:creationId xmlns:a16="http://schemas.microsoft.com/office/drawing/2014/main" id="{7D532B7C-F4FA-433C-92D9-82A89D65C461}"/>
+              </a:ext>
+            </a:extLst>
+          </p:cNvPr>
+          <p:cNvSpPr>
+            <a:spLocks noGrp="1"/>
+          </p:cNvSpPr>
+          <p:nvPr>
+            <p:ph type="title"/>
+          </p:nvPr>
+        </p:nvSpPr>
+        <p:spPr/>
+        <p:txBody>
+          <a:bodyPr/>
+          <a:lstStyle/>
+          <a:p>
+            <a:r>
+              <a:rPr lang="de-DE" dirty="0"/>
+              <a:t>Ergebnisse</a:t>
+            </a:r>
+          </a:p>
+        </p:txBody>
+      </p:sp>
+      <p:sp>
+        <p:nvSpPr>
+          <p:cNvPr id="3" name="Inhaltsplatzhalter 2">
+            <a:extLst>
+              <a:ext uri="{FF2B5EF4-FFF2-40B4-BE49-F238E27FC236}">
+                <a16:creationId xmlns:a16="http://schemas.microsoft.com/office/drawing/2014/main" id="{610922C2-10ED-42C8-8192-55B7DC88F019}"/>
+              </a:ext>
+            </a:extLst>
+          </p:cNvPr>
+          <p:cNvSpPr>
+            <a:spLocks noGrp="1"/>
+          </p:cNvSpPr>
+          <p:nvPr>
+            <p:ph idx="1"/>
+          </p:nvPr>
+        </p:nvSpPr>
+        <p:spPr/>
+        <p:txBody>
+          <a:bodyPr/>
+          <a:lstStyle/>
+          <a:p>
+            <a:endParaRPr lang="de-DE"/>
+          </a:p>
+        </p:txBody>
+      </p:sp>
+    </p:spTree>
+    <p:extLst>
+      <p:ext uri="{BB962C8B-B14F-4D97-AF65-F5344CB8AC3E}">
+        <p14:creationId xmlns:p14="http://schemas.microsoft.com/office/powerpoint/2010/main" val="2494965895"/>
+      </p:ext>
+    </p:extLst>
+  </p:cSld>
+  <p:clrMapOvr>
+    <a:masterClrMapping/>
+  </p:clrMapOvr>
+</p:sld>
+</file>
+
+<file path=ppt/slides/slide12.xml><?xml version="1.0" encoding="utf-8"?>
+<p:sld xmlns:a="http://schemas.openxmlformats.org/drawingml/2006/main" xmlns:r="http://schemas.openxmlformats.org/officeDocument/2006/relationships" xmlns:p="http://schemas.openxmlformats.org/presentationml/2006/main">
+  <p:cSld>
+    <p:bg>
+      <p:bgPr>
+        <a:solidFill>
+          <a:schemeClr val="bg1"/>
+        </a:solidFill>
+        <a:effectLst/>
+      </p:bgPr>
+    </p:bg>
+    <p:spTree>
+      <p:nvGrpSpPr>
+        <p:cNvPr id="1" name=""/>
+        <p:cNvGrpSpPr/>
+        <p:nvPr/>
+      </p:nvGrpSpPr>
+      <p:grpSpPr>
+        <a:xfrm>
+          <a:off x="0" y="0"/>
+          <a:ext cx="0" cy="0"/>
+          <a:chOff x="0" y="0"/>
+          <a:chExt cx="0" cy="0"/>
+        </a:xfrm>
+      </p:grpSpPr>
+      <p:sp>
+        <p:nvSpPr>
+          <p:cNvPr id="2" name="Titel 1">
+            <a:extLst>
+              <a:ext uri="{FF2B5EF4-FFF2-40B4-BE49-F238E27FC236}">
+                <a16:creationId xmlns:a16="http://schemas.microsoft.com/office/drawing/2014/main" id="{7D532B7C-F4FA-433C-92D9-82A89D65C461}"/>
+              </a:ext>
+            </a:extLst>
+          </p:cNvPr>
+          <p:cNvSpPr>
+            <a:spLocks noGrp="1"/>
+          </p:cNvSpPr>
+          <p:nvPr>
+            <p:ph type="title"/>
+          </p:nvPr>
+        </p:nvSpPr>
+        <p:spPr/>
+        <p:txBody>
+          <a:bodyPr/>
+          <a:lstStyle/>
+          <a:p>
+            <a:r>
+              <a:rPr lang="de-DE" dirty="0"/>
+              <a:t>Ergebnisse</a:t>
+            </a:r>
+          </a:p>
+        </p:txBody>
+      </p:sp>
+      <p:sp>
+        <p:nvSpPr>
+          <p:cNvPr id="3" name="Inhaltsplatzhalter 2">
+            <a:extLst>
+              <a:ext uri="{FF2B5EF4-FFF2-40B4-BE49-F238E27FC236}">
+                <a16:creationId xmlns:a16="http://schemas.microsoft.com/office/drawing/2014/main" id="{610922C2-10ED-42C8-8192-55B7DC88F019}"/>
+              </a:ext>
+            </a:extLst>
+          </p:cNvPr>
+          <p:cNvSpPr>
+            <a:spLocks noGrp="1"/>
+          </p:cNvSpPr>
+          <p:nvPr>
+            <p:ph idx="1"/>
+          </p:nvPr>
+        </p:nvSpPr>
+        <p:spPr/>
+        <p:txBody>
+          <a:bodyPr/>
+          <a:lstStyle/>
+          <a:p>
+            <a:endParaRPr lang="de-DE"/>
+          </a:p>
+        </p:txBody>
+      </p:sp>
+    </p:spTree>
+    <p:extLst>
+      <p:ext uri="{BB962C8B-B14F-4D97-AF65-F5344CB8AC3E}">
+        <p14:creationId xmlns:p14="http://schemas.microsoft.com/office/powerpoint/2010/main" val="1296165647"/>
+      </p:ext>
+    </p:extLst>
+  </p:cSld>
+  <p:clrMapOvr>
+    <a:masterClrMapping/>
+  </p:clrMapOvr>
+</p:sld>
+</file>
+
+<file path=ppt/slides/slide13.xml><?xml version="1.0" encoding="utf-8"?>
+<p:sld xmlns:a="http://schemas.openxmlformats.org/drawingml/2006/main" xmlns:r="http://schemas.openxmlformats.org/officeDocument/2006/relationships" xmlns:p="http://schemas.openxmlformats.org/presentationml/2006/main">
+  <p:cSld>
+    <p:bg>
+      <p:bgPr>
+        <a:solidFill>
+          <a:schemeClr val="bg1"/>
+        </a:solidFill>
+        <a:effectLst/>
+      </p:bgPr>
+    </p:bg>
+    <p:spTree>
+      <p:nvGrpSpPr>
+        <p:cNvPr id="1" name=""/>
+        <p:cNvGrpSpPr/>
+        <p:nvPr/>
+      </p:nvGrpSpPr>
+      <p:grpSpPr>
+        <a:xfrm>
+          <a:off x="0" y="0"/>
+          <a:ext cx="0" cy="0"/>
+          <a:chOff x="0" y="0"/>
+          <a:chExt cx="0" cy="0"/>
+        </a:xfrm>
+      </p:grpSpPr>
+      <p:sp>
+        <p:nvSpPr>
+          <p:cNvPr id="2" name="Titel 1">
+            <a:extLst>
+              <a:ext uri="{FF2B5EF4-FFF2-40B4-BE49-F238E27FC236}">
+                <a16:creationId xmlns:a16="http://schemas.microsoft.com/office/drawing/2014/main" id="{7C8B2397-048B-4995-B1DF-63D51CF9789D}"/>
+              </a:ext>
+            </a:extLst>
+          </p:cNvPr>
+          <p:cNvSpPr>
+            <a:spLocks noGrp="1"/>
+          </p:cNvSpPr>
+          <p:nvPr>
+            <p:ph type="title"/>
+          </p:nvPr>
+        </p:nvSpPr>
+        <p:spPr/>
+        <p:txBody>
+          <a:bodyPr/>
+          <a:lstStyle/>
+          <a:p>
+            <a:r>
+              <a:rPr lang="de-DE" dirty="0"/>
+              <a:t>Fehleranalyse</a:t>
+            </a:r>
+          </a:p>
+        </p:txBody>
+      </p:sp>
+      <p:sp>
+        <p:nvSpPr>
+          <p:cNvPr id="3" name="Inhaltsplatzhalter 2">
+            <a:extLst>
+              <a:ext uri="{FF2B5EF4-FFF2-40B4-BE49-F238E27FC236}">
+                <a16:creationId xmlns:a16="http://schemas.microsoft.com/office/drawing/2014/main" id="{5226BAD6-435D-4C6D-A5D8-CBB046889697}"/>
+              </a:ext>
+            </a:extLst>
+          </p:cNvPr>
+          <p:cNvSpPr>
+            <a:spLocks noGrp="1"/>
+          </p:cNvSpPr>
+          <p:nvPr>
+            <p:ph idx="1"/>
+          </p:nvPr>
+        </p:nvSpPr>
+        <p:spPr/>
+        <p:txBody>
+          <a:bodyPr/>
+          <a:lstStyle/>
+          <a:p>
+            <a:endParaRPr lang="de-DE"/>
+          </a:p>
+        </p:txBody>
+      </p:sp>
+    </p:spTree>
+    <p:extLst>
+      <p:ext uri="{BB962C8B-B14F-4D97-AF65-F5344CB8AC3E}">
+        <p14:creationId xmlns:p14="http://schemas.microsoft.com/office/powerpoint/2010/main" val="1630956823"/>
+      </p:ext>
+    </p:extLst>
+  </p:cSld>
+  <p:clrMapOvr>
+    <a:masterClrMapping/>
+  </p:clrMapOvr>
+</p:sld>
+</file>
+
 <file path=ppt/slides/slide2.xml><?xml version="1.0" encoding="utf-8"?>
 <p:sld xmlns:a="http://schemas.openxmlformats.org/drawingml/2006/main" xmlns:r="http://schemas.openxmlformats.org/officeDocument/2006/relationships" xmlns:p="http://schemas.openxmlformats.org/presentationml/2006/main">
   <p:cSld>
+    <p:bg>
+      <p:bgPr>
+        <a:solidFill>
+          <a:schemeClr val="bg1"/>
+        </a:solidFill>
+        <a:effectLst/>
+      </p:bgPr>
+    </p:bg>
     <p:spTree>
       <p:nvGrpSpPr>
         <p:cNvPr id="1" name=""/>
@@ -3544,6 +3986,14 @@
 <file path=ppt/slides/slide3.xml><?xml version="1.0" encoding="utf-8"?>
 <p:sld xmlns:a="http://schemas.openxmlformats.org/drawingml/2006/main" xmlns:r="http://schemas.openxmlformats.org/officeDocument/2006/relationships" xmlns:p="http://schemas.openxmlformats.org/presentationml/2006/main">
   <p:cSld>
+    <p:bg>
+      <p:bgPr>
+        <a:solidFill>
+          <a:schemeClr val="bg1"/>
+        </a:solidFill>
+        <a:effectLst/>
+      </p:bgPr>
+    </p:bg>
     <p:spTree>
       <p:nvGrpSpPr>
         <p:cNvPr id="1" name=""/>
@@ -3574,7 +4024,12 @@
             <p:ph type="title"/>
           </p:nvPr>
         </p:nvSpPr>
-        <p:spPr/>
+        <p:spPr>
+          <a:xfrm>
+            <a:off x="154709" y="0"/>
+            <a:ext cx="10515600" cy="1325563"/>
+          </a:xfrm>
+        </p:spPr>
         <p:txBody>
           <a:bodyPr/>
           <a:lstStyle/>
@@ -3583,31 +4038,868 @@
               <a:rPr lang="de-DE" dirty="0"/>
               <a:t>Numerischer Hintergrund</a:t>
             </a:r>
-          </a:p>
-        </p:txBody>
-      </p:sp>
-      <p:sp>
-        <p:nvSpPr>
-          <p:cNvPr id="3" name="Inhaltsplatzhalter 2">
-            <a:extLst>
-              <a:ext uri="{FF2B5EF4-FFF2-40B4-BE49-F238E27FC236}">
-                <a16:creationId xmlns:a16="http://schemas.microsoft.com/office/drawing/2014/main" id="{2D25EC78-BED7-4DE1-8605-EF79CC2C1134}"/>
-              </a:ext>
-            </a:extLst>
-          </p:cNvPr>
-          <p:cNvSpPr>
-            <a:spLocks noGrp="1"/>
-          </p:cNvSpPr>
-          <p:nvPr>
-            <p:ph idx="1"/>
-          </p:nvPr>
-        </p:nvSpPr>
-        <p:spPr/>
-        <p:txBody>
-          <a:bodyPr/>
+            <a:br>
+              <a:rPr lang="de-DE" dirty="0"/>
+            </a:br>
+            <a:r>
+              <a:rPr lang="de-DE" dirty="0"/>
+              <a:t>	</a:t>
+            </a:r>
+            <a:r>
+              <a:rPr lang="de-DE" sz="3600" dirty="0"/>
+              <a:t>Finite Differenzen</a:t>
+            </a:r>
+          </a:p>
+        </p:txBody>
+      </p:sp>
+      <mc:AlternateContent xmlns:mc="http://schemas.openxmlformats.org/markup-compatibility/2006" xmlns:a14="http://schemas.microsoft.com/office/drawing/2010/main">
+        <mc:Choice Requires="a14">
+          <p:sp>
+            <p:nvSpPr>
+              <p:cNvPr id="4" name="Textfeld 3">
+                <a:extLst>
+                  <a:ext uri="{FF2B5EF4-FFF2-40B4-BE49-F238E27FC236}">
+                    <a16:creationId xmlns:a16="http://schemas.microsoft.com/office/drawing/2014/main" id="{7B75B524-1FBA-4E4F-9AF7-73F33D5DBD28}"/>
+                  </a:ext>
+                </a:extLst>
+              </p:cNvPr>
+              <p:cNvSpPr txBox="1"/>
+              <p:nvPr/>
+            </p:nvSpPr>
+            <p:spPr>
+              <a:xfrm>
+                <a:off x="489528" y="1838036"/>
+                <a:ext cx="8999836" cy="3497111"/>
+              </a:xfrm>
+              <a:prstGeom prst="rect">
+                <a:avLst/>
+              </a:prstGeom>
+              <a:noFill/>
+            </p:spPr>
+            <p:txBody>
+              <a:bodyPr wrap="none" rtlCol="0">
+                <a:spAutoFit/>
+              </a:bodyPr>
+              <a:lstStyle/>
+              <a:p>
+                <a:pPr marL="285750" indent="-285750">
+                  <a:spcAft>
+                    <a:spcPts val="1200"/>
+                  </a:spcAft>
+                  <a:buFont typeface="Arial" panose="020B0604020202020204" pitchFamily="34" charset="0"/>
+                  <a:buChar char="•"/>
+                </a:pPr>
+                <a:r>
+                  <a:rPr lang="de-DE" dirty="0"/>
+                  <a:t>Allgemein:</a:t>
+                </a:r>
+                <a14:m>
+                  <m:oMath xmlns:m="http://schemas.openxmlformats.org/officeDocument/2006/math">
+                    <m:sSup>
+                      <m:sSupPr>
+                        <m:ctrlPr>
+                          <a:rPr lang="de-DE" b="0" i="1" smtClean="0">
+                            <a:latin typeface="Cambria Math" panose="02040503050406030204" pitchFamily="18" charset="0"/>
+                          </a:rPr>
+                        </m:ctrlPr>
+                      </m:sSupPr>
+                      <m:e>
+                        <m:r>
+                          <a:rPr lang="de-DE" b="0" i="1" smtClean="0">
+                            <a:latin typeface="Cambria Math" panose="02040503050406030204" pitchFamily="18" charset="0"/>
+                          </a:rPr>
+                          <m:t>𝑓</m:t>
+                        </m:r>
+                      </m:e>
+                      <m:sup>
+                        <m:r>
+                          <a:rPr lang="de-DE" b="0" i="1" smtClean="0">
+                            <a:latin typeface="Cambria Math" panose="02040503050406030204" pitchFamily="18" charset="0"/>
+                          </a:rPr>
+                          <m:t>′</m:t>
+                        </m:r>
+                      </m:sup>
+                    </m:sSup>
+                    <m:d>
+                      <m:dPr>
+                        <m:ctrlPr>
+                          <a:rPr lang="de-DE" b="0" i="1" smtClean="0">
+                            <a:latin typeface="Cambria Math" panose="02040503050406030204" pitchFamily="18" charset="0"/>
+                          </a:rPr>
+                        </m:ctrlPr>
+                      </m:dPr>
+                      <m:e>
+                        <m:r>
+                          <a:rPr lang="de-DE" b="0" i="1" smtClean="0">
+                            <a:latin typeface="Cambria Math" panose="02040503050406030204" pitchFamily="18" charset="0"/>
+                          </a:rPr>
+                          <m:t>𝑥</m:t>
+                        </m:r>
+                      </m:e>
+                    </m:d>
+                    <m:r>
+                      <a:rPr lang="de-DE" b="0" i="1" smtClean="0">
+                        <a:latin typeface="Cambria Math" panose="02040503050406030204" pitchFamily="18" charset="0"/>
+                      </a:rPr>
+                      <m:t>=</m:t>
+                    </m:r>
+                    <m:func>
+                      <m:funcPr>
+                        <m:ctrlPr>
+                          <a:rPr lang="de-DE" b="0" i="1" smtClean="0">
+                            <a:latin typeface="Cambria Math" panose="02040503050406030204" pitchFamily="18" charset="0"/>
+                          </a:rPr>
+                        </m:ctrlPr>
+                      </m:funcPr>
+                      <m:fName>
+                        <m:limLow>
+                          <m:limLowPr>
+                            <m:ctrlPr>
+                              <a:rPr lang="de-DE" b="0" i="1" smtClean="0">
+                                <a:latin typeface="Cambria Math" panose="02040503050406030204" pitchFamily="18" charset="0"/>
+                              </a:rPr>
+                            </m:ctrlPr>
+                          </m:limLowPr>
+                          <m:e>
+                            <m:r>
+                              <m:rPr>
+                                <m:sty m:val="p"/>
+                              </m:rPr>
+                              <a:rPr lang="de-DE" b="0" i="0" smtClean="0">
+                                <a:latin typeface="Cambria Math" panose="02040503050406030204" pitchFamily="18" charset="0"/>
+                              </a:rPr>
+                              <m:t>lim</m:t>
+                            </m:r>
+                          </m:e>
+                          <m:lim>
+                            <m:r>
+                              <a:rPr lang="de-DE" b="0" i="1" smtClean="0">
+                                <a:latin typeface="Cambria Math" panose="02040503050406030204" pitchFamily="18" charset="0"/>
+                              </a:rPr>
+                              <m:t>h</m:t>
+                            </m:r>
+                            <m:r>
+                              <a:rPr lang="de-DE" b="0" i="1" smtClean="0">
+                                <a:latin typeface="Cambria Math" panose="02040503050406030204" pitchFamily="18" charset="0"/>
+                                <a:ea typeface="Cambria Math" panose="02040503050406030204" pitchFamily="18" charset="0"/>
+                              </a:rPr>
+                              <m:t>→0</m:t>
+                            </m:r>
+                          </m:lim>
+                        </m:limLow>
+                      </m:fName>
+                      <m:e>
+                        <m:f>
+                          <m:fPr>
+                            <m:ctrlPr>
+                              <a:rPr lang="de-DE" b="0" i="1" smtClean="0">
+                                <a:latin typeface="Cambria Math" panose="02040503050406030204" pitchFamily="18" charset="0"/>
+                              </a:rPr>
+                            </m:ctrlPr>
+                          </m:fPr>
+                          <m:num>
+                            <m:r>
+                              <a:rPr lang="de-DE" b="0" i="1" smtClean="0">
+                                <a:latin typeface="Cambria Math" panose="02040503050406030204" pitchFamily="18" charset="0"/>
+                              </a:rPr>
+                              <m:t>𝑓</m:t>
+                            </m:r>
+                            <m:d>
+                              <m:dPr>
+                                <m:ctrlPr>
+                                  <a:rPr lang="de-DE" b="0" i="1" smtClean="0">
+                                    <a:latin typeface="Cambria Math" panose="02040503050406030204" pitchFamily="18" charset="0"/>
+                                  </a:rPr>
+                                </m:ctrlPr>
+                              </m:dPr>
+                              <m:e>
+                                <m:r>
+                                  <a:rPr lang="de-DE" b="0" i="1" smtClean="0">
+                                    <a:latin typeface="Cambria Math" panose="02040503050406030204" pitchFamily="18" charset="0"/>
+                                  </a:rPr>
+                                  <m:t>𝑥</m:t>
+                                </m:r>
+                                <m:r>
+                                  <a:rPr lang="de-DE" b="0" i="1" smtClean="0">
+                                    <a:latin typeface="Cambria Math" panose="02040503050406030204" pitchFamily="18" charset="0"/>
+                                  </a:rPr>
+                                  <m:t>+</m:t>
+                                </m:r>
+                                <m:r>
+                                  <a:rPr lang="de-DE" b="0" i="1" smtClean="0">
+                                    <a:latin typeface="Cambria Math" panose="02040503050406030204" pitchFamily="18" charset="0"/>
+                                  </a:rPr>
+                                  <m:t>h</m:t>
+                                </m:r>
+                              </m:e>
+                            </m:d>
+                            <m:r>
+                              <a:rPr lang="de-DE" b="0" i="1" smtClean="0">
+                                <a:latin typeface="Cambria Math" panose="02040503050406030204" pitchFamily="18" charset="0"/>
+                              </a:rPr>
+                              <m:t>−</m:t>
+                            </m:r>
+                            <m:r>
+                              <a:rPr lang="de-DE" b="0" i="1" smtClean="0">
+                                <a:latin typeface="Cambria Math" panose="02040503050406030204" pitchFamily="18" charset="0"/>
+                              </a:rPr>
+                              <m:t>𝑓</m:t>
+                            </m:r>
+                            <m:r>
+                              <a:rPr lang="de-DE" b="0" i="1" smtClean="0">
+                                <a:latin typeface="Cambria Math" panose="02040503050406030204" pitchFamily="18" charset="0"/>
+                              </a:rPr>
+                              <m:t>(</m:t>
+                            </m:r>
+                            <m:r>
+                              <a:rPr lang="de-DE" b="0" i="1" smtClean="0">
+                                <a:latin typeface="Cambria Math" panose="02040503050406030204" pitchFamily="18" charset="0"/>
+                              </a:rPr>
+                              <m:t>𝑥</m:t>
+                            </m:r>
+                            <m:r>
+                              <a:rPr lang="de-DE" b="0" i="1" smtClean="0">
+                                <a:latin typeface="Cambria Math" panose="02040503050406030204" pitchFamily="18" charset="0"/>
+                              </a:rPr>
+                              <m:t>)</m:t>
+                            </m:r>
+                          </m:num>
+                          <m:den>
+                            <m:r>
+                              <a:rPr lang="de-DE" b="0" i="1" smtClean="0">
+                                <a:latin typeface="Cambria Math" panose="02040503050406030204" pitchFamily="18" charset="0"/>
+                              </a:rPr>
+                              <m:t>h</m:t>
+                            </m:r>
+                          </m:den>
+                        </m:f>
+                      </m:e>
+                    </m:func>
+                  </m:oMath>
+                </a14:m>
+                <a:endParaRPr lang="de-DE" dirty="0"/>
+              </a:p>
+              <a:p>
+                <a:pPr marL="285750" indent="-285750">
+                  <a:spcAft>
+                    <a:spcPts val="1200"/>
+                  </a:spcAft>
+                  <a:buFont typeface="Arial" panose="020B0604020202020204" pitchFamily="34" charset="0"/>
+                  <a:buChar char="•"/>
+                </a:pPr>
+                <a:endParaRPr lang="de-DE" dirty="0"/>
+              </a:p>
+              <a:p>
+                <a:pPr marL="285750" indent="-285750">
+                  <a:spcAft>
+                    <a:spcPts val="1200"/>
+                  </a:spcAft>
+                  <a:buFont typeface="Arial" panose="020B0604020202020204" pitchFamily="34" charset="0"/>
+                  <a:buChar char="•"/>
+                </a:pPr>
+                <a:r>
+                  <a:rPr lang="de-DE" dirty="0"/>
+                  <a:t>Diskretisieren des Strömungsfeldes in äquidistante Gitterpunkte mit Abstand h. Dies liefert:</a:t>
+                </a:r>
+              </a:p>
+              <a:p>
+                <a:pPr marL="742950" lvl="1" indent="-285750">
+                  <a:spcAft>
+                    <a:spcPts val="1200"/>
+                  </a:spcAft>
+                  <a:buFont typeface="Arial" panose="020B0604020202020204" pitchFamily="34" charset="0"/>
+                  <a:buChar char="•"/>
+                </a:pPr>
+                <a14:m>
+                  <m:oMath xmlns:m="http://schemas.openxmlformats.org/officeDocument/2006/math">
+                    <m:sSup>
+                      <m:sSupPr>
+                        <m:ctrlPr>
+                          <a:rPr lang="de-DE" i="1">
+                            <a:latin typeface="Cambria Math" panose="02040503050406030204" pitchFamily="18" charset="0"/>
+                          </a:rPr>
+                        </m:ctrlPr>
+                      </m:sSupPr>
+                      <m:e>
+                        <m:r>
+                          <a:rPr lang="de-DE" i="1">
+                            <a:latin typeface="Cambria Math" panose="02040503050406030204" pitchFamily="18" charset="0"/>
+                          </a:rPr>
+                          <m:t>𝑓</m:t>
+                        </m:r>
+                      </m:e>
+                      <m:sup>
+                        <m:r>
+                          <a:rPr lang="de-DE" i="1">
+                            <a:latin typeface="Cambria Math" panose="02040503050406030204" pitchFamily="18" charset="0"/>
+                          </a:rPr>
+                          <m:t>′</m:t>
+                        </m:r>
+                      </m:sup>
+                    </m:sSup>
+                    <m:d>
+                      <m:dPr>
+                        <m:ctrlPr>
+                          <a:rPr lang="de-DE" i="1">
+                            <a:latin typeface="Cambria Math" panose="02040503050406030204" pitchFamily="18" charset="0"/>
+                          </a:rPr>
+                        </m:ctrlPr>
+                      </m:dPr>
+                      <m:e>
+                        <m:r>
+                          <a:rPr lang="de-DE" i="1">
+                            <a:latin typeface="Cambria Math" panose="02040503050406030204" pitchFamily="18" charset="0"/>
+                          </a:rPr>
+                          <m:t>𝑥</m:t>
+                        </m:r>
+                      </m:e>
+                    </m:d>
+                    <m:func>
+                      <m:funcPr>
+                        <m:ctrlPr>
+                          <a:rPr lang="de-DE" i="1">
+                            <a:latin typeface="Cambria Math" panose="02040503050406030204" pitchFamily="18" charset="0"/>
+                          </a:rPr>
+                        </m:ctrlPr>
+                      </m:funcPr>
+                      <m:fName>
+                        <m:r>
+                          <a:rPr lang="de-DE" i="1" smtClean="0">
+                            <a:latin typeface="Cambria Math" panose="02040503050406030204" pitchFamily="18" charset="0"/>
+                            <a:ea typeface="Cambria Math" panose="02040503050406030204" pitchFamily="18" charset="0"/>
+                          </a:rPr>
+                          <m:t>≈</m:t>
+                        </m:r>
+                      </m:fName>
+                      <m:e>
+                        <m:f>
+                          <m:fPr>
+                            <m:ctrlPr>
+                              <a:rPr lang="de-DE" i="1">
+                                <a:latin typeface="Cambria Math" panose="02040503050406030204" pitchFamily="18" charset="0"/>
+                              </a:rPr>
+                            </m:ctrlPr>
+                          </m:fPr>
+                          <m:num>
+                            <m:r>
+                              <a:rPr lang="de-DE" i="1">
+                                <a:latin typeface="Cambria Math" panose="02040503050406030204" pitchFamily="18" charset="0"/>
+                              </a:rPr>
+                              <m:t>𝑓</m:t>
+                            </m:r>
+                            <m:d>
+                              <m:dPr>
+                                <m:ctrlPr>
+                                  <a:rPr lang="de-DE" i="1">
+                                    <a:latin typeface="Cambria Math" panose="02040503050406030204" pitchFamily="18" charset="0"/>
+                                  </a:rPr>
+                                </m:ctrlPr>
+                              </m:dPr>
+                              <m:e>
+                                <m:r>
+                                  <a:rPr lang="de-DE" i="1">
+                                    <a:latin typeface="Cambria Math" panose="02040503050406030204" pitchFamily="18" charset="0"/>
+                                  </a:rPr>
+                                  <m:t>𝑥</m:t>
+                                </m:r>
+                                <m:r>
+                                  <a:rPr lang="de-DE" i="1">
+                                    <a:latin typeface="Cambria Math" panose="02040503050406030204" pitchFamily="18" charset="0"/>
+                                  </a:rPr>
+                                  <m:t>+</m:t>
+                                </m:r>
+                                <m:r>
+                                  <a:rPr lang="de-DE" i="1">
+                                    <a:latin typeface="Cambria Math" panose="02040503050406030204" pitchFamily="18" charset="0"/>
+                                  </a:rPr>
+                                  <m:t>h</m:t>
+                                </m:r>
+                              </m:e>
+                            </m:d>
+                            <m:r>
+                              <a:rPr lang="de-DE" i="1">
+                                <a:latin typeface="Cambria Math" panose="02040503050406030204" pitchFamily="18" charset="0"/>
+                              </a:rPr>
+                              <m:t>−</m:t>
+                            </m:r>
+                            <m:r>
+                              <a:rPr lang="de-DE" i="1">
+                                <a:latin typeface="Cambria Math" panose="02040503050406030204" pitchFamily="18" charset="0"/>
+                              </a:rPr>
+                              <m:t>𝑓</m:t>
+                            </m:r>
+                            <m:r>
+                              <a:rPr lang="de-DE" i="1">
+                                <a:latin typeface="Cambria Math" panose="02040503050406030204" pitchFamily="18" charset="0"/>
+                              </a:rPr>
+                              <m:t>(</m:t>
+                            </m:r>
+                            <m:r>
+                              <a:rPr lang="de-DE" i="1">
+                                <a:latin typeface="Cambria Math" panose="02040503050406030204" pitchFamily="18" charset="0"/>
+                              </a:rPr>
+                              <m:t>𝑥</m:t>
+                            </m:r>
+                            <m:r>
+                              <a:rPr lang="de-DE" i="1">
+                                <a:latin typeface="Cambria Math" panose="02040503050406030204" pitchFamily="18" charset="0"/>
+                              </a:rPr>
+                              <m:t>)</m:t>
+                            </m:r>
+                          </m:num>
+                          <m:den>
+                            <m:r>
+                              <a:rPr lang="de-DE" i="1">
+                                <a:latin typeface="Cambria Math" panose="02040503050406030204" pitchFamily="18" charset="0"/>
+                              </a:rPr>
+                              <m:t>h</m:t>
+                            </m:r>
+                          </m:den>
+                        </m:f>
+                      </m:e>
+                    </m:func>
+                  </m:oMath>
+                </a14:m>
+                <a:r>
+                  <a:rPr lang="de-DE" dirty="0"/>
+                  <a:t>		Rechtsseitiger Differenzenquotient</a:t>
+                </a:r>
+              </a:p>
+              <a:p>
+                <a:pPr marL="742950" lvl="1" indent="-285750">
+                  <a:spcAft>
+                    <a:spcPts val="1200"/>
+                  </a:spcAft>
+                  <a:buFont typeface="Arial" panose="020B0604020202020204" pitchFamily="34" charset="0"/>
+                  <a:buChar char="•"/>
+                </a:pPr>
+                <a14:m>
+                  <m:oMath xmlns:m="http://schemas.openxmlformats.org/officeDocument/2006/math">
+                    <m:sSup>
+                      <m:sSupPr>
+                        <m:ctrlPr>
+                          <a:rPr lang="de-DE" i="1">
+                            <a:latin typeface="Cambria Math" panose="02040503050406030204" pitchFamily="18" charset="0"/>
+                          </a:rPr>
+                        </m:ctrlPr>
+                      </m:sSupPr>
+                      <m:e>
+                        <m:r>
+                          <a:rPr lang="de-DE" i="1">
+                            <a:latin typeface="Cambria Math" panose="02040503050406030204" pitchFamily="18" charset="0"/>
+                          </a:rPr>
+                          <m:t>𝑓</m:t>
+                        </m:r>
+                      </m:e>
+                      <m:sup>
+                        <m:r>
+                          <a:rPr lang="de-DE" i="1">
+                            <a:latin typeface="Cambria Math" panose="02040503050406030204" pitchFamily="18" charset="0"/>
+                          </a:rPr>
+                          <m:t>′</m:t>
+                        </m:r>
+                      </m:sup>
+                    </m:sSup>
+                    <m:d>
+                      <m:dPr>
+                        <m:ctrlPr>
+                          <a:rPr lang="de-DE" i="1">
+                            <a:latin typeface="Cambria Math" panose="02040503050406030204" pitchFamily="18" charset="0"/>
+                          </a:rPr>
+                        </m:ctrlPr>
+                      </m:dPr>
+                      <m:e>
+                        <m:r>
+                          <a:rPr lang="de-DE" i="1">
+                            <a:latin typeface="Cambria Math" panose="02040503050406030204" pitchFamily="18" charset="0"/>
+                          </a:rPr>
+                          <m:t>𝑥</m:t>
+                        </m:r>
+                      </m:e>
+                    </m:d>
+                    <m:func>
+                      <m:funcPr>
+                        <m:ctrlPr>
+                          <a:rPr lang="de-DE" i="1">
+                            <a:latin typeface="Cambria Math" panose="02040503050406030204" pitchFamily="18" charset="0"/>
+                          </a:rPr>
+                        </m:ctrlPr>
+                      </m:funcPr>
+                      <m:fName>
+                        <m:r>
+                          <a:rPr lang="de-DE" i="1">
+                            <a:latin typeface="Cambria Math" panose="02040503050406030204" pitchFamily="18" charset="0"/>
+                            <a:ea typeface="Cambria Math" panose="02040503050406030204" pitchFamily="18" charset="0"/>
+                          </a:rPr>
+                          <m:t>≈</m:t>
+                        </m:r>
+                      </m:fName>
+                      <m:e>
+                        <m:f>
+                          <m:fPr>
+                            <m:ctrlPr>
+                              <a:rPr lang="de-DE" i="1">
+                                <a:latin typeface="Cambria Math" panose="02040503050406030204" pitchFamily="18" charset="0"/>
+                              </a:rPr>
+                            </m:ctrlPr>
+                          </m:fPr>
+                          <m:num>
+                            <m:r>
+                              <a:rPr lang="de-DE" i="1">
+                                <a:latin typeface="Cambria Math" panose="02040503050406030204" pitchFamily="18" charset="0"/>
+                              </a:rPr>
+                              <m:t>𝑓</m:t>
+                            </m:r>
+                            <m:d>
+                              <m:dPr>
+                                <m:ctrlPr>
+                                  <a:rPr lang="de-DE" i="1">
+                                    <a:latin typeface="Cambria Math" panose="02040503050406030204" pitchFamily="18" charset="0"/>
+                                  </a:rPr>
+                                </m:ctrlPr>
+                              </m:dPr>
+                              <m:e>
+                                <m:r>
+                                  <a:rPr lang="de-DE" i="1">
+                                    <a:latin typeface="Cambria Math" panose="02040503050406030204" pitchFamily="18" charset="0"/>
+                                  </a:rPr>
+                                  <m:t>𝑥</m:t>
+                                </m:r>
+                              </m:e>
+                            </m:d>
+                            <m:r>
+                              <a:rPr lang="de-DE" i="1">
+                                <a:latin typeface="Cambria Math" panose="02040503050406030204" pitchFamily="18" charset="0"/>
+                              </a:rPr>
+                              <m:t>−</m:t>
+                            </m:r>
+                            <m:r>
+                              <a:rPr lang="de-DE" i="1">
+                                <a:latin typeface="Cambria Math" panose="02040503050406030204" pitchFamily="18" charset="0"/>
+                              </a:rPr>
+                              <m:t>𝑓</m:t>
+                            </m:r>
+                            <m:r>
+                              <a:rPr lang="de-DE" i="1">
+                                <a:latin typeface="Cambria Math" panose="02040503050406030204" pitchFamily="18" charset="0"/>
+                              </a:rPr>
+                              <m:t>(</m:t>
+                            </m:r>
+                            <m:r>
+                              <a:rPr lang="de-DE" i="1">
+                                <a:latin typeface="Cambria Math" panose="02040503050406030204" pitchFamily="18" charset="0"/>
+                              </a:rPr>
+                              <m:t>𝑥</m:t>
+                            </m:r>
+                            <m:r>
+                              <a:rPr lang="de-DE" b="0" i="1" smtClean="0">
+                                <a:latin typeface="Cambria Math" panose="02040503050406030204" pitchFamily="18" charset="0"/>
+                              </a:rPr>
+                              <m:t>−</m:t>
+                            </m:r>
+                            <m:r>
+                              <a:rPr lang="de-DE" b="0" i="1" smtClean="0">
+                                <a:latin typeface="Cambria Math" panose="02040503050406030204" pitchFamily="18" charset="0"/>
+                              </a:rPr>
+                              <m:t>h</m:t>
+                            </m:r>
+                            <m:r>
+                              <a:rPr lang="de-DE" i="1">
+                                <a:latin typeface="Cambria Math" panose="02040503050406030204" pitchFamily="18" charset="0"/>
+                              </a:rPr>
+                              <m:t>)</m:t>
+                            </m:r>
+                          </m:num>
+                          <m:den>
+                            <m:r>
+                              <a:rPr lang="de-DE" i="1">
+                                <a:latin typeface="Cambria Math" panose="02040503050406030204" pitchFamily="18" charset="0"/>
+                              </a:rPr>
+                              <m:t>h</m:t>
+                            </m:r>
+                          </m:den>
+                        </m:f>
+                      </m:e>
+                    </m:func>
+                  </m:oMath>
+                </a14:m>
+                <a:r>
+                  <a:rPr lang="de-DE" dirty="0"/>
+                  <a:t>		Linksseitiger Differenzenquotient</a:t>
+                </a:r>
+              </a:p>
+              <a:p>
+                <a:pPr marL="742950" lvl="1" indent="-285750">
+                  <a:spcAft>
+                    <a:spcPts val="1200"/>
+                  </a:spcAft>
+                  <a:buFont typeface="Arial" panose="020B0604020202020204" pitchFamily="34" charset="0"/>
+                  <a:buChar char="•"/>
+                </a:pPr>
+                <a14:m>
+                  <m:oMath xmlns:m="http://schemas.openxmlformats.org/officeDocument/2006/math">
+                    <m:sSup>
+                      <m:sSupPr>
+                        <m:ctrlPr>
+                          <a:rPr lang="de-DE" i="1">
+                            <a:latin typeface="Cambria Math" panose="02040503050406030204" pitchFamily="18" charset="0"/>
+                          </a:rPr>
+                        </m:ctrlPr>
+                      </m:sSupPr>
+                      <m:e>
+                        <m:r>
+                          <a:rPr lang="de-DE" i="1">
+                            <a:latin typeface="Cambria Math" panose="02040503050406030204" pitchFamily="18" charset="0"/>
+                          </a:rPr>
+                          <m:t>𝑓</m:t>
+                        </m:r>
+                      </m:e>
+                      <m:sup>
+                        <m:r>
+                          <a:rPr lang="de-DE" i="1">
+                            <a:latin typeface="Cambria Math" panose="02040503050406030204" pitchFamily="18" charset="0"/>
+                          </a:rPr>
+                          <m:t>′</m:t>
+                        </m:r>
+                      </m:sup>
+                    </m:sSup>
+                    <m:d>
+                      <m:dPr>
+                        <m:ctrlPr>
+                          <a:rPr lang="de-DE" i="1">
+                            <a:latin typeface="Cambria Math" panose="02040503050406030204" pitchFamily="18" charset="0"/>
+                          </a:rPr>
+                        </m:ctrlPr>
+                      </m:dPr>
+                      <m:e>
+                        <m:r>
+                          <a:rPr lang="de-DE" i="1">
+                            <a:latin typeface="Cambria Math" panose="02040503050406030204" pitchFamily="18" charset="0"/>
+                          </a:rPr>
+                          <m:t>𝑥</m:t>
+                        </m:r>
+                      </m:e>
+                    </m:d>
+                    <m:func>
+                      <m:funcPr>
+                        <m:ctrlPr>
+                          <a:rPr lang="de-DE" i="1">
+                            <a:latin typeface="Cambria Math" panose="02040503050406030204" pitchFamily="18" charset="0"/>
+                          </a:rPr>
+                        </m:ctrlPr>
+                      </m:funcPr>
+                      <m:fName>
+                        <m:r>
+                          <a:rPr lang="de-DE" i="1">
+                            <a:latin typeface="Cambria Math" panose="02040503050406030204" pitchFamily="18" charset="0"/>
+                            <a:ea typeface="Cambria Math" panose="02040503050406030204" pitchFamily="18" charset="0"/>
+                          </a:rPr>
+                          <m:t>≈</m:t>
+                        </m:r>
+                      </m:fName>
+                      <m:e>
+                        <m:f>
+                          <m:fPr>
+                            <m:ctrlPr>
+                              <a:rPr lang="de-DE" i="1">
+                                <a:latin typeface="Cambria Math" panose="02040503050406030204" pitchFamily="18" charset="0"/>
+                              </a:rPr>
+                            </m:ctrlPr>
+                          </m:fPr>
+                          <m:num>
+                            <m:r>
+                              <a:rPr lang="de-DE" i="1">
+                                <a:latin typeface="Cambria Math" panose="02040503050406030204" pitchFamily="18" charset="0"/>
+                              </a:rPr>
+                              <m:t>𝑓</m:t>
+                            </m:r>
+                            <m:d>
+                              <m:dPr>
+                                <m:ctrlPr>
+                                  <a:rPr lang="de-DE" i="1">
+                                    <a:latin typeface="Cambria Math" panose="02040503050406030204" pitchFamily="18" charset="0"/>
+                                  </a:rPr>
+                                </m:ctrlPr>
+                              </m:dPr>
+                              <m:e>
+                                <m:r>
+                                  <a:rPr lang="de-DE" i="1">
+                                    <a:latin typeface="Cambria Math" panose="02040503050406030204" pitchFamily="18" charset="0"/>
+                                  </a:rPr>
+                                  <m:t>𝑥</m:t>
+                                </m:r>
+                                <m:r>
+                                  <a:rPr lang="de-DE" i="1">
+                                    <a:latin typeface="Cambria Math" panose="02040503050406030204" pitchFamily="18" charset="0"/>
+                                  </a:rPr>
+                                  <m:t>+</m:t>
+                                </m:r>
+                                <m:r>
+                                  <a:rPr lang="de-DE" i="1">
+                                    <a:latin typeface="Cambria Math" panose="02040503050406030204" pitchFamily="18" charset="0"/>
+                                  </a:rPr>
+                                  <m:t>h</m:t>
+                                </m:r>
+                              </m:e>
+                            </m:d>
+                            <m:r>
+                              <a:rPr lang="de-DE" i="1">
+                                <a:latin typeface="Cambria Math" panose="02040503050406030204" pitchFamily="18" charset="0"/>
+                              </a:rPr>
+                              <m:t>−</m:t>
+                            </m:r>
+                            <m:r>
+                              <a:rPr lang="de-DE" i="1">
+                                <a:latin typeface="Cambria Math" panose="02040503050406030204" pitchFamily="18" charset="0"/>
+                              </a:rPr>
+                              <m:t>𝑓</m:t>
+                            </m:r>
+                            <m:r>
+                              <a:rPr lang="de-DE" i="1">
+                                <a:latin typeface="Cambria Math" panose="02040503050406030204" pitchFamily="18" charset="0"/>
+                              </a:rPr>
+                              <m:t>(</m:t>
+                            </m:r>
+                            <m:r>
+                              <a:rPr lang="de-DE" i="1">
+                                <a:latin typeface="Cambria Math" panose="02040503050406030204" pitchFamily="18" charset="0"/>
+                              </a:rPr>
+                              <m:t>𝑥</m:t>
+                            </m:r>
+                            <m:r>
+                              <a:rPr lang="de-DE" b="0" i="1" smtClean="0">
+                                <a:latin typeface="Cambria Math" panose="02040503050406030204" pitchFamily="18" charset="0"/>
+                              </a:rPr>
+                              <m:t>−</m:t>
+                            </m:r>
+                            <m:r>
+                              <a:rPr lang="de-DE" b="0" i="1" smtClean="0">
+                                <a:latin typeface="Cambria Math" panose="02040503050406030204" pitchFamily="18" charset="0"/>
+                              </a:rPr>
+                              <m:t>h</m:t>
+                            </m:r>
+                            <m:r>
+                              <a:rPr lang="de-DE" i="1">
+                                <a:latin typeface="Cambria Math" panose="02040503050406030204" pitchFamily="18" charset="0"/>
+                              </a:rPr>
+                              <m:t>)</m:t>
+                            </m:r>
+                          </m:num>
+                          <m:den>
+                            <m:r>
+                              <a:rPr lang="de-DE" b="0" i="1" smtClean="0">
+                                <a:latin typeface="Cambria Math" panose="02040503050406030204" pitchFamily="18" charset="0"/>
+                              </a:rPr>
+                              <m:t>2⋅</m:t>
+                            </m:r>
+                            <m:r>
+                              <a:rPr lang="de-DE" i="1">
+                                <a:latin typeface="Cambria Math" panose="02040503050406030204" pitchFamily="18" charset="0"/>
+                              </a:rPr>
+                              <m:t>h</m:t>
+                            </m:r>
+                          </m:den>
+                        </m:f>
+                      </m:e>
+                    </m:func>
+                  </m:oMath>
+                </a14:m>
+                <a:r>
+                  <a:rPr lang="de-DE" dirty="0"/>
+                  <a:t>	Zentraler Differenzenquotient</a:t>
+                </a:r>
+              </a:p>
+              <a:p>
+                <a:r>
+                  <a:rPr lang="de-DE" dirty="0"/>
+                  <a:t> </a:t>
+                </a:r>
+              </a:p>
+            </p:txBody>
+          </p:sp>
+        </mc:Choice>
+        <mc:Fallback xmlns="">
+          <p:sp>
+            <p:nvSpPr>
+              <p:cNvPr id="4" name="Textfeld 3">
+                <a:extLst>
+                  <a:ext uri="{FF2B5EF4-FFF2-40B4-BE49-F238E27FC236}">
+                    <a16:creationId xmlns:a16="http://schemas.microsoft.com/office/drawing/2014/main" id="{7B75B524-1FBA-4E4F-9AF7-73F33D5DBD28}"/>
+                  </a:ext>
+                </a:extLst>
+              </p:cNvPr>
+              <p:cNvSpPr txBox="1">
+                <a:spLocks noRot="1" noChangeAspect="1" noMove="1" noResize="1" noEditPoints="1" noAdjustHandles="1" noChangeArrowheads="1" noChangeShapeType="1" noTextEdit="1"/>
+              </p:cNvSpPr>
+              <p:nvPr/>
+            </p:nvSpPr>
+            <p:spPr>
+              <a:xfrm>
+                <a:off x="489528" y="1838036"/>
+                <a:ext cx="8999836" cy="3497111"/>
+              </a:xfrm>
+              <a:prstGeom prst="rect">
+                <a:avLst/>
+              </a:prstGeom>
+              <a:blipFill>
+                <a:blip r:embed="rId2"/>
+                <a:stretch>
+                  <a:fillRect l="-406"/>
+                </a:stretch>
+              </a:blipFill>
+            </p:spPr>
+            <p:txBody>
+              <a:bodyPr/>
+              <a:lstStyle/>
+              <a:p>
+                <a:r>
+                  <a:rPr lang="de-DE">
+                    <a:noFill/>
+                  </a:rPr>
+                  <a:t> </a:t>
+                </a:r>
+              </a:p>
+            </p:txBody>
+          </p:sp>
+        </mc:Fallback>
+      </mc:AlternateContent>
+      <p:sp>
+        <p:nvSpPr>
+          <p:cNvPr id="5" name="Textfeld 4">
+            <a:extLst>
+              <a:ext uri="{FF2B5EF4-FFF2-40B4-BE49-F238E27FC236}">
+                <a16:creationId xmlns:a16="http://schemas.microsoft.com/office/drawing/2014/main" id="{5588C89B-8027-41CC-9BEF-CBD00DC80A29}"/>
+              </a:ext>
+            </a:extLst>
+          </p:cNvPr>
+          <p:cNvSpPr txBox="1"/>
+          <p:nvPr/>
+        </p:nvSpPr>
+        <p:spPr>
+          <a:xfrm>
+            <a:off x="154709" y="5527179"/>
+            <a:ext cx="8867832" cy="523220"/>
+          </a:xfrm>
+          <a:prstGeom prst="rect">
+            <a:avLst/>
+          </a:prstGeom>
+          <a:noFill/>
+        </p:spPr>
+        <p:txBody>
+          <a:bodyPr wrap="square" rtlCol="0">
+            <a:spAutoFit/>
+          </a:bodyPr>
           <a:lstStyle/>
           <a:p>
-            <a:endParaRPr lang="de-DE"/>
+            <a:pPr algn="ctr"/>
+            <a:r>
+              <a:rPr lang="de-DE" sz="2800" dirty="0">
+                <a:solidFill>
+                  <a:srgbClr val="FF0000"/>
+                </a:solidFill>
+              </a:rPr>
+              <a:t>→ PROBLEM: Es treten Approximationsfehler auf.</a:t>
+            </a:r>
           </a:p>
         </p:txBody>
       </p:sp>
@@ -3627,6 +4919,14 @@
 <file path=ppt/slides/slide4.xml><?xml version="1.0" encoding="utf-8"?>
 <p:sld xmlns:a="http://schemas.openxmlformats.org/drawingml/2006/main" xmlns:r="http://schemas.openxmlformats.org/officeDocument/2006/relationships" xmlns:p="http://schemas.openxmlformats.org/presentationml/2006/main">
   <p:cSld>
+    <p:bg>
+      <p:bgPr>
+        <a:solidFill>
+          <a:schemeClr val="bg1"/>
+        </a:solidFill>
+        <a:effectLst/>
+      </p:bgPr>
+    </p:bg>
     <p:spTree>
       <p:nvGrpSpPr>
         <p:cNvPr id="1" name=""/>
@@ -3646,7 +4946,7 @@
           <p:cNvPr id="2" name="Titel 1">
             <a:extLst>
               <a:ext uri="{FF2B5EF4-FFF2-40B4-BE49-F238E27FC236}">
-                <a16:creationId xmlns:a16="http://schemas.microsoft.com/office/drawing/2014/main" id="{EF819853-C21D-4426-B7CF-DDA2CB272E7C}"/>
+                <a16:creationId xmlns:a16="http://schemas.microsoft.com/office/drawing/2014/main" id="{55B13FAD-4CEA-4469-B5D1-98F9E01ABA66}"/>
               </a:ext>
             </a:extLst>
           </p:cNvPr>
@@ -3657,24 +4957,40 @@
             <p:ph type="title"/>
           </p:nvPr>
         </p:nvSpPr>
-        <p:spPr/>
+        <p:spPr>
+          <a:xfrm>
+            <a:off x="154709" y="0"/>
+            <a:ext cx="10515600" cy="1325563"/>
+          </a:xfrm>
+        </p:spPr>
         <p:txBody>
           <a:bodyPr/>
           <a:lstStyle/>
           <a:p>
             <a:r>
               <a:rPr lang="de-DE" dirty="0"/>
-              <a:t>Implementierung</a:t>
-            </a:r>
-          </a:p>
-        </p:txBody>
-      </p:sp>
-      <p:sp>
-        <p:nvSpPr>
-          <p:cNvPr id="4" name="Textfeld 3">
-            <a:extLst>
-              <a:ext uri="{FF2B5EF4-FFF2-40B4-BE49-F238E27FC236}">
-                <a16:creationId xmlns:a16="http://schemas.microsoft.com/office/drawing/2014/main" id="{5FB8EFE6-60CC-4256-86AF-DEFEE47140F9}"/>
+              <a:t>Numerischer Hintergrund</a:t>
+            </a:r>
+            <a:br>
+              <a:rPr lang="de-DE" dirty="0"/>
+            </a:br>
+            <a:r>
+              <a:rPr lang="de-DE" dirty="0"/>
+              <a:t>	</a:t>
+            </a:r>
+            <a:r>
+              <a:rPr lang="de-DE" sz="3600" dirty="0"/>
+              <a:t>Randbedingung</a:t>
+            </a:r>
+          </a:p>
+        </p:txBody>
+      </p:sp>
+      <p:sp>
+        <p:nvSpPr>
+          <p:cNvPr id="3" name="Textfeld 2">
+            <a:extLst>
+              <a:ext uri="{FF2B5EF4-FFF2-40B4-BE49-F238E27FC236}">
+                <a16:creationId xmlns:a16="http://schemas.microsoft.com/office/drawing/2014/main" id="{7154EA3E-1747-40DC-B5B4-3FAD8A742061}"/>
               </a:ext>
             </a:extLst>
           </p:cNvPr>
@@ -3683,18 +4999,13 @@
         </p:nvSpPr>
         <p:spPr>
           <a:xfrm>
-            <a:off x="5458121" y="1536569"/>
-            <a:ext cx="952840" cy="369332"/>
+            <a:off x="624840" y="1493520"/>
+            <a:ext cx="8953500" cy="2308324"/>
           </a:xfrm>
           <a:prstGeom prst="rect">
             <a:avLst/>
           </a:prstGeom>
           <a:noFill/>
-          <a:ln>
-            <a:solidFill>
-              <a:schemeClr val="accent1"/>
-            </a:solidFill>
-          </a:ln>
         </p:spPr>
         <p:txBody>
           <a:bodyPr wrap="square" rtlCol="0">
@@ -3703,8 +5014,48 @@
           <a:lstStyle/>
           <a:p>
             <a:r>
-              <a:rPr lang="de-DE" dirty="0"/>
-              <a:t>w(0)</a:t>
+              <a:rPr lang="de-DE" sz="2400" u="sng" dirty="0"/>
+              <a:t>Dirichlet</a:t>
+            </a:r>
+          </a:p>
+          <a:p>
+            <a:pPr marL="342900" indent="-342900">
+              <a:buFont typeface="Arial" panose="020B0604020202020204" pitchFamily="34" charset="0"/>
+              <a:buChar char="•"/>
+            </a:pPr>
+            <a:r>
+              <a:rPr lang="de-DE" sz="2400" dirty="0"/>
+              <a:t>Funktionswerte für den Rand werden vorgegeben</a:t>
+            </a:r>
+          </a:p>
+          <a:p>
+            <a:pPr marL="342900" indent="-342900">
+              <a:buFont typeface="Arial" panose="020B0604020202020204" pitchFamily="34" charset="0"/>
+              <a:buChar char="•"/>
+            </a:pPr>
+            <a:endParaRPr lang="de-DE" sz="2400" dirty="0"/>
+          </a:p>
+          <a:p>
+            <a:pPr marL="342900" indent="-342900">
+              <a:buFont typeface="Arial" panose="020B0604020202020204" pitchFamily="34" charset="0"/>
+              <a:buChar char="•"/>
+            </a:pPr>
+            <a:endParaRPr lang="de-DE" sz="2400" dirty="0"/>
+          </a:p>
+          <a:p>
+            <a:r>
+              <a:rPr lang="de-DE" sz="2400" u="sng" dirty="0"/>
+              <a:t>Neumann</a:t>
+            </a:r>
+          </a:p>
+          <a:p>
+            <a:pPr marL="342900" indent="-342900">
+              <a:buFont typeface="Arial" panose="020B0604020202020204" pitchFamily="34" charset="0"/>
+              <a:buChar char="•"/>
+            </a:pPr>
+            <a:r>
+              <a:rPr lang="de-DE" sz="2400" dirty="0"/>
+              <a:t>Richtungsableitungen werden für Randwerte vorgegeben</a:t>
             </a:r>
           </a:p>
         </p:txBody>
@@ -3712,7 +5063,7 @@
     </p:spTree>
     <p:extLst>
       <p:ext uri="{BB962C8B-B14F-4D97-AF65-F5344CB8AC3E}">
-        <p14:creationId xmlns:p14="http://schemas.microsoft.com/office/powerpoint/2010/main" val="4145347295"/>
+        <p14:creationId xmlns:p14="http://schemas.microsoft.com/office/powerpoint/2010/main" val="2480547364"/>
       </p:ext>
     </p:extLst>
   </p:cSld>
@@ -3725,6 +5076,14 @@
 <file path=ppt/slides/slide5.xml><?xml version="1.0" encoding="utf-8"?>
 <p:sld xmlns:a="http://schemas.openxmlformats.org/drawingml/2006/main" xmlns:r="http://schemas.openxmlformats.org/officeDocument/2006/relationships" xmlns:p="http://schemas.openxmlformats.org/presentationml/2006/main">
   <p:cSld>
+    <p:bg>
+      <p:bgPr>
+        <a:solidFill>
+          <a:schemeClr val="bg1"/>
+        </a:solidFill>
+        <a:effectLst/>
+      </p:bgPr>
+    </p:bg>
     <p:spTree>
       <p:nvGrpSpPr>
         <p:cNvPr id="1" name=""/>
@@ -3744,7 +5103,7 @@
           <p:cNvPr id="2" name="Titel 1">
             <a:extLst>
               <a:ext uri="{FF2B5EF4-FFF2-40B4-BE49-F238E27FC236}">
-                <a16:creationId xmlns:a16="http://schemas.microsoft.com/office/drawing/2014/main" id="{2F1E5A69-44F0-44D6-8DC8-B7272566D0A4}"/>
+                <a16:creationId xmlns:a16="http://schemas.microsoft.com/office/drawing/2014/main" id="{55B13FAD-4CEA-4469-B5D1-98F9E01ABA66}"/>
               </a:ext>
             </a:extLst>
           </p:cNvPr>
@@ -3755,55 +5114,105 @@
             <p:ph type="title"/>
           </p:nvPr>
         </p:nvSpPr>
-        <p:spPr/>
+        <p:spPr>
+          <a:xfrm>
+            <a:off x="154709" y="0"/>
+            <a:ext cx="10515600" cy="1325563"/>
+          </a:xfrm>
+        </p:spPr>
         <p:txBody>
           <a:bodyPr/>
           <a:lstStyle/>
           <a:p>
             <a:r>
               <a:rPr lang="de-DE" dirty="0"/>
-              <a:t>Details der Implementierung - </a:t>
-            </a:r>
-            <a:r>
-              <a:rPr lang="de-DE" dirty="0" err="1"/>
-              <a:t>Stencils</a:t>
-            </a:r>
+              <a:t>Numerischer Hintergrund</a:t>
+            </a:r>
+            <a:br>
+              <a:rPr lang="de-DE" dirty="0"/>
+            </a:br>
+            <a:r>
+              <a:rPr lang="de-DE" dirty="0"/>
+              <a:t>	</a:t>
+            </a:r>
+            <a:r>
+              <a:rPr lang="de-DE" sz="3600" dirty="0" err="1"/>
+              <a:t>Upwind</a:t>
+            </a:r>
+            <a:r>
+              <a:rPr lang="de-DE" sz="3600" dirty="0"/>
+              <a:t> Schema</a:t>
+            </a:r>
+          </a:p>
+        </p:txBody>
+      </p:sp>
+      <p:sp>
+        <p:nvSpPr>
+          <p:cNvPr id="4" name="Textfeld 3">
+            <a:extLst>
+              <a:ext uri="{FF2B5EF4-FFF2-40B4-BE49-F238E27FC236}">
+                <a16:creationId xmlns:a16="http://schemas.microsoft.com/office/drawing/2014/main" id="{DA20D4D3-3ED5-4101-99F0-303572047B70}"/>
+              </a:ext>
+            </a:extLst>
+          </p:cNvPr>
+          <p:cNvSpPr txBox="1"/>
+          <p:nvPr/>
+        </p:nvSpPr>
+        <p:spPr>
+          <a:xfrm>
+            <a:off x="731520" y="1905000"/>
+            <a:ext cx="9997440" cy="1261884"/>
+          </a:xfrm>
+          <a:prstGeom prst="rect">
+            <a:avLst/>
+          </a:prstGeom>
+          <a:noFill/>
+        </p:spPr>
+        <p:txBody>
+          <a:bodyPr wrap="square" rtlCol="0">
+            <a:spAutoFit/>
+          </a:bodyPr>
+          <a:lstStyle/>
+          <a:p>
+            <a:r>
+              <a:rPr lang="de-DE" sz="2400" dirty="0"/>
+              <a:t>Informationen der Strömung werden stromabwärts getragen.</a:t>
+            </a:r>
+          </a:p>
+          <a:p>
             <a:endParaRPr lang="de-DE" dirty="0"/>
           </a:p>
-        </p:txBody>
-      </p:sp>
-      <p:sp>
-        <p:nvSpPr>
-          <p:cNvPr id="3" name="Inhaltsplatzhalter 2">
-            <a:extLst>
-              <a:ext uri="{FF2B5EF4-FFF2-40B4-BE49-F238E27FC236}">
-                <a16:creationId xmlns:a16="http://schemas.microsoft.com/office/drawing/2014/main" id="{A06F2CC8-736C-4A07-BC26-38A0B0542614}"/>
-              </a:ext>
-            </a:extLst>
-          </p:cNvPr>
-          <p:cNvSpPr>
-            <a:spLocks noGrp="1"/>
-          </p:cNvSpPr>
-          <p:nvPr>
-            <p:ph idx="1"/>
-          </p:nvPr>
-        </p:nvSpPr>
-        <p:spPr/>
-        <p:txBody>
-          <a:bodyPr/>
-          <a:lstStyle/>
-          <a:p>
-            <a:r>
-              <a:rPr lang="de-DE" dirty="0"/>
-              <a:t> </a:t>
-            </a:r>
+          <a:p>
+            <a:pPr marL="285750" indent="-285750">
+              <a:buFont typeface="Arial" panose="020B0604020202020204" pitchFamily="34" charset="0"/>
+              <a:buChar char="•"/>
+            </a:pPr>
+            <a:r>
+              <a:rPr lang="de-DE" sz="1600" dirty="0">
+                <a:sym typeface="Wingdings" panose="05000000000000000000" pitchFamily="2" charset="2"/>
+              </a:rPr>
+              <a:t>Keine zentralen Differenzen möglich, da Stromabwärtspunkte nicht hinzugenommen werden können</a:t>
+            </a:r>
+          </a:p>
+          <a:p>
+            <a:pPr marL="285750" indent="-285750">
+              <a:buFont typeface="Arial" panose="020B0604020202020204" pitchFamily="34" charset="0"/>
+              <a:buChar char="•"/>
+            </a:pPr>
+            <a:r>
+              <a:rPr lang="de-DE" sz="1600" dirty="0">
+                <a:sym typeface="Wingdings" panose="05000000000000000000" pitchFamily="2" charset="2"/>
+              </a:rPr>
+              <a:t>Es entstehen Fehler in der Rechnung  Numerische Reibung</a:t>
+            </a:r>
+            <a:endParaRPr lang="de-DE" sz="1600" dirty="0"/>
           </a:p>
         </p:txBody>
       </p:sp>
     </p:spTree>
     <p:extLst>
       <p:ext uri="{BB962C8B-B14F-4D97-AF65-F5344CB8AC3E}">
-        <p14:creationId xmlns:p14="http://schemas.microsoft.com/office/powerpoint/2010/main" val="49827521"/>
+        <p14:creationId xmlns:p14="http://schemas.microsoft.com/office/powerpoint/2010/main" val="3549087489"/>
       </p:ext>
     </p:extLst>
   </p:cSld>
@@ -3816,6 +5225,14 @@
 <file path=ppt/slides/slide6.xml><?xml version="1.0" encoding="utf-8"?>
 <p:sld xmlns:a="http://schemas.openxmlformats.org/drawingml/2006/main" xmlns:r="http://schemas.openxmlformats.org/officeDocument/2006/relationships" xmlns:p="http://schemas.openxmlformats.org/presentationml/2006/main">
   <p:cSld>
+    <p:bg>
+      <p:bgPr>
+        <a:solidFill>
+          <a:schemeClr val="bg1"/>
+        </a:solidFill>
+        <a:effectLst/>
+      </p:bgPr>
+    </p:bg>
     <p:spTree>
       <p:nvGrpSpPr>
         <p:cNvPr id="1" name=""/>
@@ -3835,7 +5252,7 @@
           <p:cNvPr id="2" name="Titel 1">
             <a:extLst>
               <a:ext uri="{FF2B5EF4-FFF2-40B4-BE49-F238E27FC236}">
-                <a16:creationId xmlns:a16="http://schemas.microsoft.com/office/drawing/2014/main" id="{2F1E5A69-44F0-44D6-8DC8-B7272566D0A4}"/>
+                <a16:creationId xmlns:a16="http://schemas.microsoft.com/office/drawing/2014/main" id="{55B13FAD-4CEA-4469-B5D1-98F9E01ABA66}"/>
               </a:ext>
             </a:extLst>
           </p:cNvPr>
@@ -3846,56 +5263,1860 @@
             <p:ph type="title"/>
           </p:nvPr>
         </p:nvSpPr>
-        <p:spPr/>
+        <p:spPr>
+          <a:xfrm>
+            <a:off x="154709" y="0"/>
+            <a:ext cx="10515600" cy="1325563"/>
+          </a:xfrm>
+        </p:spPr>
         <p:txBody>
           <a:bodyPr/>
           <a:lstStyle/>
           <a:p>
             <a:r>
               <a:rPr lang="de-DE" dirty="0"/>
-              <a:t>Details der Implementierung - Multithreading </a:t>
-            </a:r>
-          </a:p>
-        </p:txBody>
-      </p:sp>
-      <p:sp>
-        <p:nvSpPr>
-          <p:cNvPr id="3" name="Inhaltsplatzhalter 2">
-            <a:extLst>
-              <a:ext uri="{FF2B5EF4-FFF2-40B4-BE49-F238E27FC236}">
-                <a16:creationId xmlns:a16="http://schemas.microsoft.com/office/drawing/2014/main" id="{A06F2CC8-736C-4A07-BC26-38A0B0542614}"/>
-              </a:ext>
-            </a:extLst>
-          </p:cNvPr>
-          <p:cNvSpPr>
-            <a:spLocks noGrp="1"/>
-          </p:cNvSpPr>
-          <p:nvPr>
-            <p:ph idx="1"/>
-          </p:nvPr>
-        </p:nvSpPr>
-        <p:spPr/>
-        <p:txBody>
-          <a:bodyPr/>
-          <a:lstStyle/>
-          <a:p>
-            <a:r>
+              <a:t>Numerischer Hintergrund</a:t>
+            </a:r>
+            <a:br>
               <a:rPr lang="de-DE" dirty="0"/>
-              <a:t> </a:t>
-            </a:r>
-          </a:p>
-        </p:txBody>
-      </p:sp>
+            </a:br>
+            <a:r>
+              <a:rPr lang="de-DE" dirty="0"/>
+              <a:t>	</a:t>
+            </a:r>
+            <a:r>
+              <a:rPr lang="de-DE" sz="3600" dirty="0"/>
+              <a:t>Runge-</a:t>
+            </a:r>
+            <a:r>
+              <a:rPr lang="de-DE" sz="3600" dirty="0" err="1"/>
+              <a:t>Kutta</a:t>
+            </a:r>
+            <a:r>
+              <a:rPr lang="de-DE" sz="3600" dirty="0"/>
+              <a:t> Verfahren 4. Ordnung</a:t>
+            </a:r>
+          </a:p>
+        </p:txBody>
+      </p:sp>
+      <mc:AlternateContent xmlns:mc="http://schemas.openxmlformats.org/markup-compatibility/2006" xmlns:a14="http://schemas.microsoft.com/office/drawing/2010/main">
+        <mc:Choice Requires="a14">
+          <p:sp>
+            <p:nvSpPr>
+              <p:cNvPr id="3" name="Textfeld 2">
+                <a:extLst>
+                  <a:ext uri="{FF2B5EF4-FFF2-40B4-BE49-F238E27FC236}">
+                    <a16:creationId xmlns:a16="http://schemas.microsoft.com/office/drawing/2014/main" id="{1B600A5B-676C-4B9A-B7E9-C4A95B7680B3}"/>
+                  </a:ext>
+                </a:extLst>
+              </p:cNvPr>
+              <p:cNvSpPr txBox="1"/>
+              <p:nvPr/>
+            </p:nvSpPr>
+            <p:spPr>
+              <a:xfrm>
+                <a:off x="289560" y="1668780"/>
+                <a:ext cx="5878469" cy="657809"/>
+              </a:xfrm>
+              <a:prstGeom prst="rect">
+                <a:avLst/>
+              </a:prstGeom>
+              <a:noFill/>
+            </p:spPr>
+            <p:txBody>
+              <a:bodyPr wrap="none" rtlCol="0">
+                <a:spAutoFit/>
+              </a:bodyPr>
+              <a:lstStyle/>
+              <a:p>
+                <a:r>
+                  <a:rPr lang="de-DE" dirty="0"/>
+                  <a:t>Gegeben: Differentialgleichung erster Ordnung mit Startwert</a:t>
+                </a:r>
+              </a:p>
+              <a:p>
+                <a:r>
+                  <a:rPr lang="de-DE" dirty="0"/>
+                  <a:t>	</a:t>
+                </a:r>
+                <a14:m>
+                  <m:oMath xmlns:m="http://schemas.openxmlformats.org/officeDocument/2006/math">
+                    <m:sSup>
+                      <m:sSupPr>
+                        <m:ctrlPr>
+                          <a:rPr lang="de-DE" b="0" i="1" smtClean="0">
+                            <a:latin typeface="Cambria Math" panose="02040503050406030204" pitchFamily="18" charset="0"/>
+                          </a:rPr>
+                        </m:ctrlPr>
+                      </m:sSupPr>
+                      <m:e>
+                        <m:r>
+                          <a:rPr lang="de-DE" b="0" i="1" smtClean="0">
+                            <a:latin typeface="Cambria Math" panose="02040503050406030204" pitchFamily="18" charset="0"/>
+                          </a:rPr>
+                          <m:t>𝑦</m:t>
+                        </m:r>
+                      </m:e>
+                      <m:sup>
+                        <m:r>
+                          <a:rPr lang="de-DE" b="0" i="1" smtClean="0">
+                            <a:latin typeface="Cambria Math" panose="02040503050406030204" pitchFamily="18" charset="0"/>
+                          </a:rPr>
+                          <m:t>′</m:t>
+                        </m:r>
+                      </m:sup>
+                    </m:sSup>
+                    <m:r>
+                      <a:rPr lang="de-DE" b="0" i="1" smtClean="0">
+                        <a:latin typeface="Cambria Math" panose="02040503050406030204" pitchFamily="18" charset="0"/>
+                      </a:rPr>
+                      <m:t>(</m:t>
+                    </m:r>
+                    <m:r>
+                      <a:rPr lang="de-DE" b="0" i="1" smtClean="0">
+                        <a:latin typeface="Cambria Math" panose="02040503050406030204" pitchFamily="18" charset="0"/>
+                      </a:rPr>
+                      <m:t>𝑡</m:t>
+                    </m:r>
+                    <m:r>
+                      <a:rPr lang="de-DE" b="0" i="1" smtClean="0">
+                        <a:latin typeface="Cambria Math" panose="02040503050406030204" pitchFamily="18" charset="0"/>
+                      </a:rPr>
+                      <m:t>)=</m:t>
+                    </m:r>
+                    <m:r>
+                      <a:rPr lang="de-DE" b="0" i="1" smtClean="0">
+                        <a:latin typeface="Cambria Math" panose="02040503050406030204" pitchFamily="18" charset="0"/>
+                      </a:rPr>
+                      <m:t>𝑓</m:t>
+                    </m:r>
+                    <m:r>
+                      <a:rPr lang="de-DE" b="0" i="1" smtClean="0">
+                        <a:latin typeface="Cambria Math" panose="02040503050406030204" pitchFamily="18" charset="0"/>
+                      </a:rPr>
+                      <m:t>(</m:t>
+                    </m:r>
+                    <m:r>
+                      <a:rPr lang="de-DE" b="0" i="1" smtClean="0">
+                        <a:latin typeface="Cambria Math" panose="02040503050406030204" pitchFamily="18" charset="0"/>
+                      </a:rPr>
+                      <m:t>𝑡</m:t>
+                    </m:r>
+                    <m:r>
+                      <a:rPr lang="de-DE" b="0" i="1" smtClean="0">
+                        <a:latin typeface="Cambria Math" panose="02040503050406030204" pitchFamily="18" charset="0"/>
+                      </a:rPr>
+                      <m:t>,</m:t>
+                    </m:r>
+                    <m:r>
+                      <a:rPr lang="de-DE" b="0" i="1" smtClean="0">
+                        <a:latin typeface="Cambria Math" panose="02040503050406030204" pitchFamily="18" charset="0"/>
+                      </a:rPr>
+                      <m:t>𝑦</m:t>
+                    </m:r>
+                    <m:r>
+                      <a:rPr lang="de-DE" b="0" i="1" smtClean="0">
+                        <a:latin typeface="Cambria Math" panose="02040503050406030204" pitchFamily="18" charset="0"/>
+                      </a:rPr>
+                      <m:t>(</m:t>
+                    </m:r>
+                    <m:r>
+                      <a:rPr lang="de-DE" b="0" i="1" smtClean="0">
+                        <a:latin typeface="Cambria Math" panose="02040503050406030204" pitchFamily="18" charset="0"/>
+                      </a:rPr>
+                      <m:t>𝑡</m:t>
+                    </m:r>
+                    <m:r>
+                      <a:rPr lang="de-DE" b="0" i="1" smtClean="0">
+                        <a:latin typeface="Cambria Math" panose="02040503050406030204" pitchFamily="18" charset="0"/>
+                      </a:rPr>
+                      <m:t>))</m:t>
+                    </m:r>
+                  </m:oMath>
+                </a14:m>
+                <a:r>
+                  <a:rPr lang="de-DE" dirty="0"/>
+                  <a:t>		</a:t>
+                </a:r>
+                <a14:m>
+                  <m:oMath xmlns:m="http://schemas.openxmlformats.org/officeDocument/2006/math">
+                    <m:r>
+                      <a:rPr lang="de-DE" b="0" i="0" smtClean="0">
+                        <a:latin typeface="Cambria Math" panose="02040503050406030204" pitchFamily="18" charset="0"/>
+                      </a:rPr>
+                      <m:t>(</m:t>
+                    </m:r>
+                    <m:sSub>
+                      <m:sSubPr>
+                        <m:ctrlPr>
+                          <a:rPr lang="de-DE" b="0" i="1" smtClean="0">
+                            <a:latin typeface="Cambria Math" panose="02040503050406030204" pitchFamily="18" charset="0"/>
+                          </a:rPr>
+                        </m:ctrlPr>
+                      </m:sSubPr>
+                      <m:e>
+                        <m:r>
+                          <m:rPr>
+                            <m:sty m:val="p"/>
+                          </m:rPr>
+                          <a:rPr lang="de-DE" b="0" i="0" smtClean="0">
+                            <a:latin typeface="Cambria Math" panose="02040503050406030204" pitchFamily="18" charset="0"/>
+                          </a:rPr>
+                          <m:t>t</m:t>
+                        </m:r>
+                      </m:e>
+                      <m:sub>
+                        <m:r>
+                          <a:rPr lang="de-DE" b="0" i="0" smtClean="0">
+                            <a:latin typeface="Cambria Math" panose="02040503050406030204" pitchFamily="18" charset="0"/>
+                          </a:rPr>
+                          <m:t>0</m:t>
+                        </m:r>
+                      </m:sub>
+                    </m:sSub>
+                    <m:r>
+                      <a:rPr lang="de-DE" b="0" i="0" smtClean="0">
+                        <a:latin typeface="Cambria Math" panose="02040503050406030204" pitchFamily="18" charset="0"/>
+                      </a:rPr>
+                      <m:t>,</m:t>
+                    </m:r>
+                    <m:r>
+                      <m:rPr>
+                        <m:sty m:val="p"/>
+                      </m:rPr>
+                      <a:rPr lang="de-DE" b="0" i="0" smtClean="0">
+                        <a:latin typeface="Cambria Math" panose="02040503050406030204" pitchFamily="18" charset="0"/>
+                      </a:rPr>
+                      <m:t>y</m:t>
+                    </m:r>
+                    <m:d>
+                      <m:dPr>
+                        <m:ctrlPr>
+                          <a:rPr lang="de-DE" b="0" i="1" smtClean="0">
+                            <a:latin typeface="Cambria Math" panose="02040503050406030204" pitchFamily="18" charset="0"/>
+                          </a:rPr>
+                        </m:ctrlPr>
+                      </m:dPr>
+                      <m:e>
+                        <m:sSub>
+                          <m:sSubPr>
+                            <m:ctrlPr>
+                              <a:rPr lang="de-DE" b="0" i="1" smtClean="0">
+                                <a:latin typeface="Cambria Math" panose="02040503050406030204" pitchFamily="18" charset="0"/>
+                              </a:rPr>
+                            </m:ctrlPr>
+                          </m:sSubPr>
+                          <m:e>
+                            <m:r>
+                              <m:rPr>
+                                <m:sty m:val="p"/>
+                              </m:rPr>
+                              <a:rPr lang="de-DE" b="0" i="0" smtClean="0">
+                                <a:latin typeface="Cambria Math" panose="02040503050406030204" pitchFamily="18" charset="0"/>
+                              </a:rPr>
+                              <m:t>t</m:t>
+                            </m:r>
+                          </m:e>
+                          <m:sub>
+                            <m:r>
+                              <a:rPr lang="de-DE" b="0" i="0" smtClean="0">
+                                <a:latin typeface="Cambria Math" panose="02040503050406030204" pitchFamily="18" charset="0"/>
+                              </a:rPr>
+                              <m:t>0</m:t>
+                            </m:r>
+                          </m:sub>
+                        </m:sSub>
+                      </m:e>
+                    </m:d>
+                    <m:r>
+                      <a:rPr lang="de-DE" b="0" i="0" smtClean="0">
+                        <a:latin typeface="Cambria Math" panose="02040503050406030204" pitchFamily="18" charset="0"/>
+                      </a:rPr>
+                      <m:t>)</m:t>
+                    </m:r>
+                  </m:oMath>
+                </a14:m>
+                <a:endParaRPr lang="de-DE" dirty="0"/>
+              </a:p>
+            </p:txBody>
+          </p:sp>
+        </mc:Choice>
+        <mc:Fallback xmlns="">
+          <p:sp>
+            <p:nvSpPr>
+              <p:cNvPr id="3" name="Textfeld 2">
+                <a:extLst>
+                  <a:ext uri="{FF2B5EF4-FFF2-40B4-BE49-F238E27FC236}">
+                    <a16:creationId xmlns:a16="http://schemas.microsoft.com/office/drawing/2014/main" id="{1B600A5B-676C-4B9A-B7E9-C4A95B7680B3}"/>
+                  </a:ext>
+                </a:extLst>
+              </p:cNvPr>
+              <p:cNvSpPr txBox="1">
+                <a:spLocks noRot="1" noChangeAspect="1" noMove="1" noResize="1" noEditPoints="1" noAdjustHandles="1" noChangeArrowheads="1" noChangeShapeType="1" noTextEdit="1"/>
+              </p:cNvSpPr>
+              <p:nvPr/>
+            </p:nvSpPr>
+            <p:spPr>
+              <a:xfrm>
+                <a:off x="289560" y="1668780"/>
+                <a:ext cx="5878469" cy="657809"/>
+              </a:xfrm>
+              <a:prstGeom prst="rect">
+                <a:avLst/>
+              </a:prstGeom>
+              <a:blipFill>
+                <a:blip r:embed="rId2"/>
+                <a:stretch>
+                  <a:fillRect l="-934" t="-5556" r="-104" b="-4630"/>
+                </a:stretch>
+              </a:blipFill>
+            </p:spPr>
+            <p:txBody>
+              <a:bodyPr/>
+              <a:lstStyle/>
+              <a:p>
+                <a:r>
+                  <a:rPr lang="de-DE">
+                    <a:noFill/>
+                  </a:rPr>
+                  <a:t> </a:t>
+                </a:r>
+              </a:p>
+            </p:txBody>
+          </p:sp>
+        </mc:Fallback>
+      </mc:AlternateContent>
+      <mc:AlternateContent xmlns:mc="http://schemas.openxmlformats.org/markup-compatibility/2006" xmlns:a14="http://schemas.microsoft.com/office/drawing/2010/main">
+        <mc:Choice Requires="a14">
+          <p:sp>
+            <p:nvSpPr>
+              <p:cNvPr id="5" name="Textfeld 4">
+                <a:extLst>
+                  <a:ext uri="{FF2B5EF4-FFF2-40B4-BE49-F238E27FC236}">
+                    <a16:creationId xmlns:a16="http://schemas.microsoft.com/office/drawing/2014/main" id="{D410DA15-35C9-4A8D-B435-2E12D57E12EE}"/>
+                  </a:ext>
+                </a:extLst>
+              </p:cNvPr>
+              <p:cNvSpPr txBox="1"/>
+              <p:nvPr/>
+            </p:nvSpPr>
+            <p:spPr>
+              <a:xfrm>
+                <a:off x="548640" y="3055620"/>
+                <a:ext cx="4606517" cy="2688428"/>
+              </a:xfrm>
+              <a:prstGeom prst="rect">
+                <a:avLst/>
+              </a:prstGeom>
+              <a:noFill/>
+            </p:spPr>
+            <p:txBody>
+              <a:bodyPr wrap="none" rtlCol="0">
+                <a:spAutoFit/>
+              </a:bodyPr>
+              <a:lstStyle/>
+              <a:p>
+                <a:pPr/>
+                <a14:m>
+                  <m:oMathPara xmlns:m="http://schemas.openxmlformats.org/officeDocument/2006/math">
+                    <m:oMathParaPr>
+                      <m:jc m:val="centerGroup"/>
+                    </m:oMathParaPr>
+                    <m:oMath xmlns:m="http://schemas.openxmlformats.org/officeDocument/2006/math">
+                      <m:sSub>
+                        <m:sSubPr>
+                          <m:ctrlPr>
+                            <a:rPr lang="de-DE" b="0" i="1" smtClean="0">
+                              <a:latin typeface="Cambria Math" panose="02040503050406030204" pitchFamily="18" charset="0"/>
+                            </a:rPr>
+                          </m:ctrlPr>
+                        </m:sSubPr>
+                        <m:e>
+                          <m:r>
+                            <a:rPr lang="de-DE" b="0" i="1" smtClean="0">
+                              <a:latin typeface="Cambria Math" panose="02040503050406030204" pitchFamily="18" charset="0"/>
+                            </a:rPr>
+                            <m:t>𝑦</m:t>
+                          </m:r>
+                        </m:e>
+                        <m:sub>
+                          <m:r>
+                            <a:rPr lang="de-DE" b="0" i="1" smtClean="0">
+                              <a:latin typeface="Cambria Math" panose="02040503050406030204" pitchFamily="18" charset="0"/>
+                            </a:rPr>
+                            <m:t>𝑖</m:t>
+                          </m:r>
+                          <m:r>
+                            <a:rPr lang="de-DE" b="0" i="1" smtClean="0">
+                              <a:latin typeface="Cambria Math" panose="02040503050406030204" pitchFamily="18" charset="0"/>
+                            </a:rPr>
+                            <m:t>+1</m:t>
+                          </m:r>
+                        </m:sub>
+                      </m:sSub>
+                      <m:r>
+                        <a:rPr lang="de-DE" b="0" i="1" smtClean="0">
+                          <a:latin typeface="Cambria Math" panose="02040503050406030204" pitchFamily="18" charset="0"/>
+                        </a:rPr>
+                        <m:t>=</m:t>
+                      </m:r>
+                      <m:sSub>
+                        <m:sSubPr>
+                          <m:ctrlPr>
+                            <a:rPr lang="de-DE" b="0" i="1" smtClean="0">
+                              <a:latin typeface="Cambria Math" panose="02040503050406030204" pitchFamily="18" charset="0"/>
+                            </a:rPr>
+                          </m:ctrlPr>
+                        </m:sSubPr>
+                        <m:e>
+                          <m:r>
+                            <a:rPr lang="de-DE" b="0" i="1" smtClean="0">
+                              <a:latin typeface="Cambria Math" panose="02040503050406030204" pitchFamily="18" charset="0"/>
+                            </a:rPr>
+                            <m:t>𝑦</m:t>
+                          </m:r>
+                        </m:e>
+                        <m:sub>
+                          <m:r>
+                            <a:rPr lang="de-DE" b="0" i="1" smtClean="0">
+                              <a:latin typeface="Cambria Math" panose="02040503050406030204" pitchFamily="18" charset="0"/>
+                            </a:rPr>
+                            <m:t>𝑖</m:t>
+                          </m:r>
+                        </m:sub>
+                      </m:sSub>
+                      <m:r>
+                        <a:rPr lang="de-DE" b="0" i="1" smtClean="0">
+                          <a:latin typeface="Cambria Math" panose="02040503050406030204" pitchFamily="18" charset="0"/>
+                        </a:rPr>
+                        <m:t>+</m:t>
+                      </m:r>
+                      <m:sSub>
+                        <m:sSubPr>
+                          <m:ctrlPr>
+                            <a:rPr lang="de-DE" b="0" i="1" smtClean="0">
+                              <a:latin typeface="Cambria Math" panose="02040503050406030204" pitchFamily="18" charset="0"/>
+                            </a:rPr>
+                          </m:ctrlPr>
+                        </m:sSubPr>
+                        <m:e>
+                          <m:f>
+                            <m:fPr>
+                              <m:ctrlPr>
+                                <a:rPr lang="de-DE" b="0" i="1" smtClean="0">
+                                  <a:latin typeface="Cambria Math" panose="02040503050406030204" pitchFamily="18" charset="0"/>
+                                </a:rPr>
+                              </m:ctrlPr>
+                            </m:fPr>
+                            <m:num>
+                              <m:r>
+                                <a:rPr lang="de-DE" b="0" i="1" smtClean="0">
+                                  <a:latin typeface="Cambria Math" panose="02040503050406030204" pitchFamily="18" charset="0"/>
+                                </a:rPr>
+                                <m:t>1</m:t>
+                              </m:r>
+                            </m:num>
+                            <m:den>
+                              <m:r>
+                                <a:rPr lang="de-DE" b="0" i="1" smtClean="0">
+                                  <a:latin typeface="Cambria Math" panose="02040503050406030204" pitchFamily="18" charset="0"/>
+                                </a:rPr>
+                                <m:t>6</m:t>
+                              </m:r>
+                            </m:den>
+                          </m:f>
+                          <m:r>
+                            <a:rPr lang="de-DE" b="0" i="1" smtClean="0">
+                              <a:latin typeface="Cambria Math" panose="02040503050406030204" pitchFamily="18" charset="0"/>
+                            </a:rPr>
+                            <m:t>h</m:t>
+                          </m:r>
+                        </m:e>
+                        <m:sub>
+                          <m:r>
+                            <a:rPr lang="de-DE" b="0" i="1" smtClean="0">
+                              <a:latin typeface="Cambria Math" panose="02040503050406030204" pitchFamily="18" charset="0"/>
+                            </a:rPr>
+                            <m:t>𝑖</m:t>
+                          </m:r>
+                        </m:sub>
+                      </m:sSub>
+                      <m:r>
+                        <a:rPr lang="de-DE" b="0" i="1" smtClean="0">
+                          <a:latin typeface="Cambria Math" panose="02040503050406030204" pitchFamily="18" charset="0"/>
+                        </a:rPr>
+                        <m:t>⋅</m:t>
+                      </m:r>
+                      <m:d>
+                        <m:dPr>
+                          <m:ctrlPr>
+                            <a:rPr lang="de-DE" b="0" i="1" smtClean="0">
+                              <a:latin typeface="Cambria Math" panose="02040503050406030204" pitchFamily="18" charset="0"/>
+                            </a:rPr>
+                          </m:ctrlPr>
+                        </m:dPr>
+                        <m:e>
+                          <m:sSub>
+                            <m:sSubPr>
+                              <m:ctrlPr>
+                                <a:rPr lang="de-DE" b="0" i="1" smtClean="0">
+                                  <a:latin typeface="Cambria Math" panose="02040503050406030204" pitchFamily="18" charset="0"/>
+                                </a:rPr>
+                              </m:ctrlPr>
+                            </m:sSubPr>
+                            <m:e>
+                              <m:r>
+                                <a:rPr lang="de-DE" b="0" i="1" smtClean="0">
+                                  <a:latin typeface="Cambria Math" panose="02040503050406030204" pitchFamily="18" charset="0"/>
+                                </a:rPr>
+                                <m:t>𝑘</m:t>
+                              </m:r>
+                            </m:e>
+                            <m:sub>
+                              <m:r>
+                                <a:rPr lang="de-DE" b="0" i="1" smtClean="0">
+                                  <a:latin typeface="Cambria Math" panose="02040503050406030204" pitchFamily="18" charset="0"/>
+                                </a:rPr>
+                                <m:t>1</m:t>
+                              </m:r>
+                            </m:sub>
+                          </m:sSub>
+                          <m:r>
+                            <a:rPr lang="de-DE" b="0" i="1" smtClean="0">
+                              <a:latin typeface="Cambria Math" panose="02040503050406030204" pitchFamily="18" charset="0"/>
+                            </a:rPr>
+                            <m:t>+2⋅</m:t>
+                          </m:r>
+                          <m:sSub>
+                            <m:sSubPr>
+                              <m:ctrlPr>
+                                <a:rPr lang="de-DE" b="0" i="1" smtClean="0">
+                                  <a:latin typeface="Cambria Math" panose="02040503050406030204" pitchFamily="18" charset="0"/>
+                                </a:rPr>
+                              </m:ctrlPr>
+                            </m:sSubPr>
+                            <m:e>
+                              <m:r>
+                                <a:rPr lang="de-DE" b="0" i="1" smtClean="0">
+                                  <a:latin typeface="Cambria Math" panose="02040503050406030204" pitchFamily="18" charset="0"/>
+                                </a:rPr>
+                                <m:t>𝑘</m:t>
+                              </m:r>
+                            </m:e>
+                            <m:sub>
+                              <m:r>
+                                <a:rPr lang="de-DE" b="0" i="1" smtClean="0">
+                                  <a:latin typeface="Cambria Math" panose="02040503050406030204" pitchFamily="18" charset="0"/>
+                                </a:rPr>
+                                <m:t>2</m:t>
+                              </m:r>
+                            </m:sub>
+                          </m:sSub>
+                          <m:r>
+                            <a:rPr lang="de-DE" b="0" i="1" smtClean="0">
+                              <a:latin typeface="Cambria Math" panose="02040503050406030204" pitchFamily="18" charset="0"/>
+                            </a:rPr>
+                            <m:t>+2⋅</m:t>
+                          </m:r>
+                          <m:sSub>
+                            <m:sSubPr>
+                              <m:ctrlPr>
+                                <a:rPr lang="de-DE" b="0" i="1" smtClean="0">
+                                  <a:latin typeface="Cambria Math" panose="02040503050406030204" pitchFamily="18" charset="0"/>
+                                </a:rPr>
+                              </m:ctrlPr>
+                            </m:sSubPr>
+                            <m:e>
+                              <m:r>
+                                <a:rPr lang="de-DE" b="0" i="1" smtClean="0">
+                                  <a:latin typeface="Cambria Math" panose="02040503050406030204" pitchFamily="18" charset="0"/>
+                                </a:rPr>
+                                <m:t>𝑘</m:t>
+                              </m:r>
+                            </m:e>
+                            <m:sub>
+                              <m:r>
+                                <a:rPr lang="de-DE" b="0" i="1" smtClean="0">
+                                  <a:latin typeface="Cambria Math" panose="02040503050406030204" pitchFamily="18" charset="0"/>
+                                </a:rPr>
+                                <m:t>3</m:t>
+                              </m:r>
+                            </m:sub>
+                          </m:sSub>
+                          <m:r>
+                            <a:rPr lang="de-DE" b="0" i="1" smtClean="0">
+                              <a:latin typeface="Cambria Math" panose="02040503050406030204" pitchFamily="18" charset="0"/>
+                            </a:rPr>
+                            <m:t>+</m:t>
+                          </m:r>
+                          <m:sSub>
+                            <m:sSubPr>
+                              <m:ctrlPr>
+                                <a:rPr lang="de-DE" b="0" i="1" smtClean="0">
+                                  <a:latin typeface="Cambria Math" panose="02040503050406030204" pitchFamily="18" charset="0"/>
+                                </a:rPr>
+                              </m:ctrlPr>
+                            </m:sSubPr>
+                            <m:e>
+                              <m:r>
+                                <a:rPr lang="de-DE" b="0" i="1" smtClean="0">
+                                  <a:latin typeface="Cambria Math" panose="02040503050406030204" pitchFamily="18" charset="0"/>
+                                </a:rPr>
+                                <m:t>𝑘</m:t>
+                              </m:r>
+                            </m:e>
+                            <m:sub>
+                              <m:r>
+                                <a:rPr lang="de-DE" b="0" i="1" smtClean="0">
+                                  <a:latin typeface="Cambria Math" panose="02040503050406030204" pitchFamily="18" charset="0"/>
+                                </a:rPr>
+                                <m:t>4</m:t>
+                              </m:r>
+                            </m:sub>
+                          </m:sSub>
+                        </m:e>
+                      </m:d>
+                    </m:oMath>
+                  </m:oMathPara>
+                </a14:m>
+                <a:endParaRPr lang="de-DE" b="0" dirty="0"/>
+              </a:p>
+              <a:p>
+                <a:endParaRPr lang="de-DE" dirty="0"/>
+              </a:p>
+              <a:p>
+                <a:pPr/>
+                <a14:m>
+                  <m:oMathPara xmlns:m="http://schemas.openxmlformats.org/officeDocument/2006/math">
+                    <m:oMathParaPr>
+                      <m:jc m:val="centerGroup"/>
+                    </m:oMathParaPr>
+                    <m:oMath xmlns:m="http://schemas.openxmlformats.org/officeDocument/2006/math">
+                      <m:sSub>
+                        <m:sSubPr>
+                          <m:ctrlPr>
+                            <a:rPr lang="de-DE" b="0" i="1" smtClean="0">
+                              <a:latin typeface="Cambria Math" panose="02040503050406030204" pitchFamily="18" charset="0"/>
+                            </a:rPr>
+                          </m:ctrlPr>
+                        </m:sSubPr>
+                        <m:e>
+                          <m:r>
+                            <a:rPr lang="de-DE" b="0" i="1" smtClean="0">
+                              <a:latin typeface="Cambria Math" panose="02040503050406030204" pitchFamily="18" charset="0"/>
+                            </a:rPr>
+                            <m:t>𝑘</m:t>
+                          </m:r>
+                        </m:e>
+                        <m:sub>
+                          <m:r>
+                            <a:rPr lang="de-DE" b="0" i="1" smtClean="0">
+                              <a:latin typeface="Cambria Math" panose="02040503050406030204" pitchFamily="18" charset="0"/>
+                            </a:rPr>
+                            <m:t>1</m:t>
+                          </m:r>
+                        </m:sub>
+                      </m:sSub>
+                      <m:r>
+                        <a:rPr lang="de-DE" b="0" i="1" smtClean="0">
+                          <a:latin typeface="Cambria Math" panose="02040503050406030204" pitchFamily="18" charset="0"/>
+                        </a:rPr>
+                        <m:t>=</m:t>
+                      </m:r>
+                      <m:r>
+                        <a:rPr lang="de-DE" b="0" i="1" smtClean="0">
+                          <a:latin typeface="Cambria Math" panose="02040503050406030204" pitchFamily="18" charset="0"/>
+                        </a:rPr>
+                        <m:t>𝑓</m:t>
+                      </m:r>
+                      <m:d>
+                        <m:dPr>
+                          <m:ctrlPr>
+                            <a:rPr lang="de-DE" b="0" i="1" smtClean="0">
+                              <a:latin typeface="Cambria Math" panose="02040503050406030204" pitchFamily="18" charset="0"/>
+                            </a:rPr>
+                          </m:ctrlPr>
+                        </m:dPr>
+                        <m:e>
+                          <m:sSub>
+                            <m:sSubPr>
+                              <m:ctrlPr>
+                                <a:rPr lang="de-DE" b="0" i="1" smtClean="0">
+                                  <a:latin typeface="Cambria Math" panose="02040503050406030204" pitchFamily="18" charset="0"/>
+                                </a:rPr>
+                              </m:ctrlPr>
+                            </m:sSubPr>
+                            <m:e>
+                              <m:r>
+                                <a:rPr lang="de-DE" b="0" i="1" smtClean="0">
+                                  <a:latin typeface="Cambria Math" panose="02040503050406030204" pitchFamily="18" charset="0"/>
+                                </a:rPr>
+                                <m:t>𝑡</m:t>
+                              </m:r>
+                            </m:e>
+                            <m:sub>
+                              <m:r>
+                                <a:rPr lang="de-DE" b="0" i="1" smtClean="0">
+                                  <a:latin typeface="Cambria Math" panose="02040503050406030204" pitchFamily="18" charset="0"/>
+                                </a:rPr>
+                                <m:t>𝑖</m:t>
+                              </m:r>
+                            </m:sub>
+                          </m:sSub>
+                          <m:r>
+                            <a:rPr lang="de-DE" b="0" i="1" smtClean="0">
+                              <a:latin typeface="Cambria Math" panose="02040503050406030204" pitchFamily="18" charset="0"/>
+                            </a:rPr>
+                            <m:t>,</m:t>
+                          </m:r>
+                          <m:sSub>
+                            <m:sSubPr>
+                              <m:ctrlPr>
+                                <a:rPr lang="de-DE" b="0" i="1" smtClean="0">
+                                  <a:latin typeface="Cambria Math" panose="02040503050406030204" pitchFamily="18" charset="0"/>
+                                </a:rPr>
+                              </m:ctrlPr>
+                            </m:sSubPr>
+                            <m:e>
+                              <m:r>
+                                <a:rPr lang="de-DE" b="0" i="1" smtClean="0">
+                                  <a:latin typeface="Cambria Math" panose="02040503050406030204" pitchFamily="18" charset="0"/>
+                                </a:rPr>
+                                <m:t>𝑦</m:t>
+                              </m:r>
+                            </m:e>
+                            <m:sub>
+                              <m:r>
+                                <a:rPr lang="de-DE" b="0" i="1" smtClean="0">
+                                  <a:latin typeface="Cambria Math" panose="02040503050406030204" pitchFamily="18" charset="0"/>
+                                </a:rPr>
+                                <m:t>𝑖</m:t>
+                              </m:r>
+                            </m:sub>
+                          </m:sSub>
+                        </m:e>
+                      </m:d>
+                    </m:oMath>
+                    <m:oMath xmlns:m="http://schemas.openxmlformats.org/officeDocument/2006/math">
+                      <m:sSub>
+                        <m:sSubPr>
+                          <m:ctrlPr>
+                            <a:rPr lang="de-DE" b="0" i="1" smtClean="0">
+                              <a:latin typeface="Cambria Math" panose="02040503050406030204" pitchFamily="18" charset="0"/>
+                            </a:rPr>
+                          </m:ctrlPr>
+                        </m:sSubPr>
+                        <m:e>
+                          <m:r>
+                            <a:rPr lang="de-DE" b="0" i="1" smtClean="0">
+                              <a:latin typeface="Cambria Math" panose="02040503050406030204" pitchFamily="18" charset="0"/>
+                            </a:rPr>
+                            <m:t>𝑘</m:t>
+                          </m:r>
+                        </m:e>
+                        <m:sub>
+                          <m:r>
+                            <a:rPr lang="de-DE" b="0" i="1" smtClean="0">
+                              <a:latin typeface="Cambria Math" panose="02040503050406030204" pitchFamily="18" charset="0"/>
+                            </a:rPr>
+                            <m:t>2</m:t>
+                          </m:r>
+                        </m:sub>
+                      </m:sSub>
+                      <m:r>
+                        <a:rPr lang="de-DE" b="0" i="1" smtClean="0">
+                          <a:latin typeface="Cambria Math" panose="02040503050406030204" pitchFamily="18" charset="0"/>
+                        </a:rPr>
+                        <m:t>=</m:t>
+                      </m:r>
+                      <m:r>
+                        <a:rPr lang="de-DE" b="0" i="1" smtClean="0">
+                          <a:latin typeface="Cambria Math" panose="02040503050406030204" pitchFamily="18" charset="0"/>
+                        </a:rPr>
+                        <m:t>𝑓</m:t>
+                      </m:r>
+                      <m:d>
+                        <m:dPr>
+                          <m:ctrlPr>
+                            <a:rPr lang="de-DE" b="0" i="1" smtClean="0">
+                              <a:latin typeface="Cambria Math" panose="02040503050406030204" pitchFamily="18" charset="0"/>
+                            </a:rPr>
+                          </m:ctrlPr>
+                        </m:dPr>
+                        <m:e>
+                          <m:sSub>
+                            <m:sSubPr>
+                              <m:ctrlPr>
+                                <a:rPr lang="de-DE" b="0" i="1" smtClean="0">
+                                  <a:latin typeface="Cambria Math" panose="02040503050406030204" pitchFamily="18" charset="0"/>
+                                </a:rPr>
+                              </m:ctrlPr>
+                            </m:sSubPr>
+                            <m:e>
+                              <m:r>
+                                <a:rPr lang="de-DE" b="0" i="1" smtClean="0">
+                                  <a:latin typeface="Cambria Math" panose="02040503050406030204" pitchFamily="18" charset="0"/>
+                                </a:rPr>
+                                <m:t>𝑡</m:t>
+                              </m:r>
+                            </m:e>
+                            <m:sub>
+                              <m:r>
+                                <a:rPr lang="de-DE" b="0" i="1" smtClean="0">
+                                  <a:latin typeface="Cambria Math" panose="02040503050406030204" pitchFamily="18" charset="0"/>
+                                </a:rPr>
+                                <m:t>𝑖</m:t>
+                              </m:r>
+                            </m:sub>
+                          </m:sSub>
+                          <m:r>
+                            <a:rPr lang="de-DE" b="0" i="1" smtClean="0">
+                              <a:latin typeface="Cambria Math" panose="02040503050406030204" pitchFamily="18" charset="0"/>
+                            </a:rPr>
+                            <m:t>+</m:t>
+                          </m:r>
+                          <m:f>
+                            <m:fPr>
+                              <m:ctrlPr>
+                                <a:rPr lang="de-DE" b="0" i="1" smtClean="0">
+                                  <a:latin typeface="Cambria Math" panose="02040503050406030204" pitchFamily="18" charset="0"/>
+                                </a:rPr>
+                              </m:ctrlPr>
+                            </m:fPr>
+                            <m:num>
+                              <m:r>
+                                <a:rPr lang="de-DE" b="0" i="1" smtClean="0">
+                                  <a:latin typeface="Cambria Math" panose="02040503050406030204" pitchFamily="18" charset="0"/>
+                                </a:rPr>
+                                <m:t>1</m:t>
+                              </m:r>
+                            </m:num>
+                            <m:den>
+                              <m:r>
+                                <a:rPr lang="de-DE" b="0" i="1" smtClean="0">
+                                  <a:latin typeface="Cambria Math" panose="02040503050406030204" pitchFamily="18" charset="0"/>
+                                </a:rPr>
+                                <m:t>2</m:t>
+                              </m:r>
+                            </m:den>
+                          </m:f>
+                          <m:sSub>
+                            <m:sSubPr>
+                              <m:ctrlPr>
+                                <a:rPr lang="de-DE" b="0" i="1" smtClean="0">
+                                  <a:latin typeface="Cambria Math" panose="02040503050406030204" pitchFamily="18" charset="0"/>
+                                </a:rPr>
+                              </m:ctrlPr>
+                            </m:sSubPr>
+                            <m:e>
+                              <m:r>
+                                <a:rPr lang="de-DE" b="0" i="1" smtClean="0">
+                                  <a:latin typeface="Cambria Math" panose="02040503050406030204" pitchFamily="18" charset="0"/>
+                                </a:rPr>
+                                <m:t>h</m:t>
+                              </m:r>
+                            </m:e>
+                            <m:sub>
+                              <m:r>
+                                <a:rPr lang="de-DE" b="0" i="1" smtClean="0">
+                                  <a:latin typeface="Cambria Math" panose="02040503050406030204" pitchFamily="18" charset="0"/>
+                                </a:rPr>
+                                <m:t>𝑖</m:t>
+                              </m:r>
+                            </m:sub>
+                          </m:sSub>
+                          <m:r>
+                            <a:rPr lang="de-DE" b="0" i="1" smtClean="0">
+                              <a:latin typeface="Cambria Math" panose="02040503050406030204" pitchFamily="18" charset="0"/>
+                            </a:rPr>
+                            <m:t>,</m:t>
+                          </m:r>
+                          <m:sSub>
+                            <m:sSubPr>
+                              <m:ctrlPr>
+                                <a:rPr lang="de-DE" b="0" i="1" smtClean="0">
+                                  <a:latin typeface="Cambria Math" panose="02040503050406030204" pitchFamily="18" charset="0"/>
+                                </a:rPr>
+                              </m:ctrlPr>
+                            </m:sSubPr>
+                            <m:e>
+                              <m:r>
+                                <a:rPr lang="de-DE" b="0" i="1" smtClean="0">
+                                  <a:latin typeface="Cambria Math" panose="02040503050406030204" pitchFamily="18" charset="0"/>
+                                </a:rPr>
+                                <m:t>𝑦</m:t>
+                              </m:r>
+                            </m:e>
+                            <m:sub>
+                              <m:r>
+                                <a:rPr lang="de-DE" b="0" i="1" smtClean="0">
+                                  <a:latin typeface="Cambria Math" panose="02040503050406030204" pitchFamily="18" charset="0"/>
+                                </a:rPr>
+                                <m:t>𝑖</m:t>
+                              </m:r>
+                            </m:sub>
+                          </m:sSub>
+                          <m:r>
+                            <a:rPr lang="de-DE" b="0" i="1" smtClean="0">
+                              <a:latin typeface="Cambria Math" panose="02040503050406030204" pitchFamily="18" charset="0"/>
+                            </a:rPr>
+                            <m:t>+</m:t>
+                          </m:r>
+                          <m:sSub>
+                            <m:sSubPr>
+                              <m:ctrlPr>
+                                <a:rPr lang="de-DE" b="0" i="1" smtClean="0">
+                                  <a:latin typeface="Cambria Math" panose="02040503050406030204" pitchFamily="18" charset="0"/>
+                                </a:rPr>
+                              </m:ctrlPr>
+                            </m:sSubPr>
+                            <m:e>
+                              <m:r>
+                                <a:rPr lang="de-DE" b="0" i="1" smtClean="0">
+                                  <a:latin typeface="Cambria Math" panose="02040503050406030204" pitchFamily="18" charset="0"/>
+                                </a:rPr>
+                                <m:t>h</m:t>
+                              </m:r>
+                            </m:e>
+                            <m:sub>
+                              <m:r>
+                                <a:rPr lang="de-DE" b="0" i="1" smtClean="0">
+                                  <a:latin typeface="Cambria Math" panose="02040503050406030204" pitchFamily="18" charset="0"/>
+                                </a:rPr>
+                                <m:t>𝑖</m:t>
+                              </m:r>
+                            </m:sub>
+                          </m:sSub>
+                          <m:r>
+                            <a:rPr lang="de-DE" b="0" i="1" smtClean="0">
+                              <a:latin typeface="Cambria Math" panose="02040503050406030204" pitchFamily="18" charset="0"/>
+                            </a:rPr>
+                            <m:t>⋅</m:t>
+                          </m:r>
+                          <m:f>
+                            <m:fPr>
+                              <m:ctrlPr>
+                                <a:rPr lang="de-DE" b="0" i="1" smtClean="0">
+                                  <a:latin typeface="Cambria Math" panose="02040503050406030204" pitchFamily="18" charset="0"/>
+                                </a:rPr>
+                              </m:ctrlPr>
+                            </m:fPr>
+                            <m:num>
+                              <m:r>
+                                <a:rPr lang="de-DE" b="0" i="1" smtClean="0">
+                                  <a:latin typeface="Cambria Math" panose="02040503050406030204" pitchFamily="18" charset="0"/>
+                                </a:rPr>
+                                <m:t>1</m:t>
+                              </m:r>
+                            </m:num>
+                            <m:den>
+                              <m:r>
+                                <a:rPr lang="de-DE" b="0" i="1" smtClean="0">
+                                  <a:latin typeface="Cambria Math" panose="02040503050406030204" pitchFamily="18" charset="0"/>
+                                </a:rPr>
+                                <m:t>2</m:t>
+                              </m:r>
+                            </m:den>
+                          </m:f>
+                          <m:sSub>
+                            <m:sSubPr>
+                              <m:ctrlPr>
+                                <a:rPr lang="de-DE" b="0" i="1" smtClean="0">
+                                  <a:latin typeface="Cambria Math" panose="02040503050406030204" pitchFamily="18" charset="0"/>
+                                </a:rPr>
+                              </m:ctrlPr>
+                            </m:sSubPr>
+                            <m:e>
+                              <m:r>
+                                <a:rPr lang="de-DE" b="0" i="1" smtClean="0">
+                                  <a:latin typeface="Cambria Math" panose="02040503050406030204" pitchFamily="18" charset="0"/>
+                                </a:rPr>
+                                <m:t>𝑘</m:t>
+                              </m:r>
+                            </m:e>
+                            <m:sub>
+                              <m:r>
+                                <a:rPr lang="de-DE" b="0" i="1" smtClean="0">
+                                  <a:latin typeface="Cambria Math" panose="02040503050406030204" pitchFamily="18" charset="0"/>
+                                </a:rPr>
+                                <m:t>1</m:t>
+                              </m:r>
+                            </m:sub>
+                          </m:sSub>
+                        </m:e>
+                      </m:d>
+                    </m:oMath>
+                    <m:oMath xmlns:m="http://schemas.openxmlformats.org/officeDocument/2006/math">
+                      <m:sSub>
+                        <m:sSubPr>
+                          <m:ctrlPr>
+                            <a:rPr lang="de-DE" i="1">
+                              <a:latin typeface="Cambria Math" panose="02040503050406030204" pitchFamily="18" charset="0"/>
+                            </a:rPr>
+                          </m:ctrlPr>
+                        </m:sSubPr>
+                        <m:e>
+                          <m:r>
+                            <a:rPr lang="de-DE" i="1">
+                              <a:latin typeface="Cambria Math" panose="02040503050406030204" pitchFamily="18" charset="0"/>
+                            </a:rPr>
+                            <m:t>𝑘</m:t>
+                          </m:r>
+                        </m:e>
+                        <m:sub>
+                          <m:r>
+                            <a:rPr lang="de-DE" b="0" i="1" smtClean="0">
+                              <a:latin typeface="Cambria Math" panose="02040503050406030204" pitchFamily="18" charset="0"/>
+                            </a:rPr>
+                            <m:t>3</m:t>
+                          </m:r>
+                        </m:sub>
+                      </m:sSub>
+                      <m:r>
+                        <a:rPr lang="de-DE" i="1">
+                          <a:latin typeface="Cambria Math" panose="02040503050406030204" pitchFamily="18" charset="0"/>
+                        </a:rPr>
+                        <m:t>=</m:t>
+                      </m:r>
+                      <m:r>
+                        <a:rPr lang="de-DE" i="1">
+                          <a:latin typeface="Cambria Math" panose="02040503050406030204" pitchFamily="18" charset="0"/>
+                        </a:rPr>
+                        <m:t>𝑓</m:t>
+                      </m:r>
+                      <m:d>
+                        <m:dPr>
+                          <m:ctrlPr>
+                            <a:rPr lang="de-DE" i="1">
+                              <a:latin typeface="Cambria Math" panose="02040503050406030204" pitchFamily="18" charset="0"/>
+                            </a:rPr>
+                          </m:ctrlPr>
+                        </m:dPr>
+                        <m:e>
+                          <m:sSub>
+                            <m:sSubPr>
+                              <m:ctrlPr>
+                                <a:rPr lang="de-DE" i="1">
+                                  <a:latin typeface="Cambria Math" panose="02040503050406030204" pitchFamily="18" charset="0"/>
+                                </a:rPr>
+                              </m:ctrlPr>
+                            </m:sSubPr>
+                            <m:e>
+                              <m:r>
+                                <a:rPr lang="de-DE" i="1">
+                                  <a:latin typeface="Cambria Math" panose="02040503050406030204" pitchFamily="18" charset="0"/>
+                                </a:rPr>
+                                <m:t>𝑡</m:t>
+                              </m:r>
+                            </m:e>
+                            <m:sub>
+                              <m:r>
+                                <a:rPr lang="de-DE" i="1">
+                                  <a:latin typeface="Cambria Math" panose="02040503050406030204" pitchFamily="18" charset="0"/>
+                                </a:rPr>
+                                <m:t>𝑖</m:t>
+                              </m:r>
+                            </m:sub>
+                          </m:sSub>
+                          <m:r>
+                            <a:rPr lang="de-DE" i="1">
+                              <a:latin typeface="Cambria Math" panose="02040503050406030204" pitchFamily="18" charset="0"/>
+                            </a:rPr>
+                            <m:t>+</m:t>
+                          </m:r>
+                          <m:f>
+                            <m:fPr>
+                              <m:ctrlPr>
+                                <a:rPr lang="de-DE" i="1">
+                                  <a:latin typeface="Cambria Math" panose="02040503050406030204" pitchFamily="18" charset="0"/>
+                                </a:rPr>
+                              </m:ctrlPr>
+                            </m:fPr>
+                            <m:num>
+                              <m:r>
+                                <a:rPr lang="de-DE" i="1">
+                                  <a:latin typeface="Cambria Math" panose="02040503050406030204" pitchFamily="18" charset="0"/>
+                                </a:rPr>
+                                <m:t>1</m:t>
+                              </m:r>
+                            </m:num>
+                            <m:den>
+                              <m:r>
+                                <a:rPr lang="de-DE" i="1">
+                                  <a:latin typeface="Cambria Math" panose="02040503050406030204" pitchFamily="18" charset="0"/>
+                                </a:rPr>
+                                <m:t>2</m:t>
+                              </m:r>
+                            </m:den>
+                          </m:f>
+                          <m:sSub>
+                            <m:sSubPr>
+                              <m:ctrlPr>
+                                <a:rPr lang="de-DE" i="1">
+                                  <a:latin typeface="Cambria Math" panose="02040503050406030204" pitchFamily="18" charset="0"/>
+                                </a:rPr>
+                              </m:ctrlPr>
+                            </m:sSubPr>
+                            <m:e>
+                              <m:r>
+                                <a:rPr lang="de-DE" i="1">
+                                  <a:latin typeface="Cambria Math" panose="02040503050406030204" pitchFamily="18" charset="0"/>
+                                </a:rPr>
+                                <m:t>h</m:t>
+                              </m:r>
+                            </m:e>
+                            <m:sub>
+                              <m:r>
+                                <a:rPr lang="de-DE" i="1">
+                                  <a:latin typeface="Cambria Math" panose="02040503050406030204" pitchFamily="18" charset="0"/>
+                                </a:rPr>
+                                <m:t>𝑖</m:t>
+                              </m:r>
+                            </m:sub>
+                          </m:sSub>
+                          <m:r>
+                            <a:rPr lang="de-DE" i="1">
+                              <a:latin typeface="Cambria Math" panose="02040503050406030204" pitchFamily="18" charset="0"/>
+                            </a:rPr>
+                            <m:t>,</m:t>
+                          </m:r>
+                          <m:sSub>
+                            <m:sSubPr>
+                              <m:ctrlPr>
+                                <a:rPr lang="de-DE" i="1">
+                                  <a:latin typeface="Cambria Math" panose="02040503050406030204" pitchFamily="18" charset="0"/>
+                                </a:rPr>
+                              </m:ctrlPr>
+                            </m:sSubPr>
+                            <m:e>
+                              <m:r>
+                                <a:rPr lang="de-DE" i="1">
+                                  <a:latin typeface="Cambria Math" panose="02040503050406030204" pitchFamily="18" charset="0"/>
+                                </a:rPr>
+                                <m:t>𝑦</m:t>
+                              </m:r>
+                            </m:e>
+                            <m:sub>
+                              <m:r>
+                                <a:rPr lang="de-DE" i="1">
+                                  <a:latin typeface="Cambria Math" panose="02040503050406030204" pitchFamily="18" charset="0"/>
+                                </a:rPr>
+                                <m:t>𝑖</m:t>
+                              </m:r>
+                            </m:sub>
+                          </m:sSub>
+                          <m:r>
+                            <a:rPr lang="de-DE" i="1">
+                              <a:latin typeface="Cambria Math" panose="02040503050406030204" pitchFamily="18" charset="0"/>
+                            </a:rPr>
+                            <m:t>+</m:t>
+                          </m:r>
+                          <m:sSub>
+                            <m:sSubPr>
+                              <m:ctrlPr>
+                                <a:rPr lang="de-DE" i="1">
+                                  <a:latin typeface="Cambria Math" panose="02040503050406030204" pitchFamily="18" charset="0"/>
+                                </a:rPr>
+                              </m:ctrlPr>
+                            </m:sSubPr>
+                            <m:e>
+                              <m:r>
+                                <a:rPr lang="de-DE" i="1">
+                                  <a:latin typeface="Cambria Math" panose="02040503050406030204" pitchFamily="18" charset="0"/>
+                                </a:rPr>
+                                <m:t>h</m:t>
+                              </m:r>
+                            </m:e>
+                            <m:sub>
+                              <m:r>
+                                <a:rPr lang="de-DE" i="1">
+                                  <a:latin typeface="Cambria Math" panose="02040503050406030204" pitchFamily="18" charset="0"/>
+                                </a:rPr>
+                                <m:t>𝑖</m:t>
+                              </m:r>
+                            </m:sub>
+                          </m:sSub>
+                          <m:r>
+                            <a:rPr lang="de-DE" i="1">
+                              <a:latin typeface="Cambria Math" panose="02040503050406030204" pitchFamily="18" charset="0"/>
+                            </a:rPr>
+                            <m:t>⋅</m:t>
+                          </m:r>
+                          <m:f>
+                            <m:fPr>
+                              <m:ctrlPr>
+                                <a:rPr lang="de-DE" i="1">
+                                  <a:latin typeface="Cambria Math" panose="02040503050406030204" pitchFamily="18" charset="0"/>
+                                </a:rPr>
+                              </m:ctrlPr>
+                            </m:fPr>
+                            <m:num>
+                              <m:r>
+                                <a:rPr lang="de-DE" i="1">
+                                  <a:latin typeface="Cambria Math" panose="02040503050406030204" pitchFamily="18" charset="0"/>
+                                </a:rPr>
+                                <m:t>1</m:t>
+                              </m:r>
+                            </m:num>
+                            <m:den>
+                              <m:r>
+                                <a:rPr lang="de-DE" i="1">
+                                  <a:latin typeface="Cambria Math" panose="02040503050406030204" pitchFamily="18" charset="0"/>
+                                </a:rPr>
+                                <m:t>2</m:t>
+                              </m:r>
+                            </m:den>
+                          </m:f>
+                          <m:sSub>
+                            <m:sSubPr>
+                              <m:ctrlPr>
+                                <a:rPr lang="de-DE" i="1">
+                                  <a:latin typeface="Cambria Math" panose="02040503050406030204" pitchFamily="18" charset="0"/>
+                                </a:rPr>
+                              </m:ctrlPr>
+                            </m:sSubPr>
+                            <m:e>
+                              <m:r>
+                                <a:rPr lang="de-DE" i="1">
+                                  <a:latin typeface="Cambria Math" panose="02040503050406030204" pitchFamily="18" charset="0"/>
+                                </a:rPr>
+                                <m:t>𝑘</m:t>
+                              </m:r>
+                            </m:e>
+                            <m:sub>
+                              <m:r>
+                                <a:rPr lang="de-DE" b="0" i="1" smtClean="0">
+                                  <a:latin typeface="Cambria Math" panose="02040503050406030204" pitchFamily="18" charset="0"/>
+                                </a:rPr>
+                                <m:t>2</m:t>
+                              </m:r>
+                            </m:sub>
+                          </m:sSub>
+                        </m:e>
+                      </m:d>
+                    </m:oMath>
+                    <m:oMath xmlns:m="http://schemas.openxmlformats.org/officeDocument/2006/math">
+                      <m:sSub>
+                        <m:sSubPr>
+                          <m:ctrlPr>
+                            <a:rPr lang="de-DE" b="0" i="1" smtClean="0">
+                              <a:latin typeface="Cambria Math" panose="02040503050406030204" pitchFamily="18" charset="0"/>
+                            </a:rPr>
+                          </m:ctrlPr>
+                        </m:sSubPr>
+                        <m:e>
+                          <m:r>
+                            <a:rPr lang="de-DE" b="0" i="1" smtClean="0">
+                              <a:latin typeface="Cambria Math" panose="02040503050406030204" pitchFamily="18" charset="0"/>
+                            </a:rPr>
+                            <m:t>𝑘</m:t>
+                          </m:r>
+                        </m:e>
+                        <m:sub>
+                          <m:r>
+                            <a:rPr lang="de-DE" b="0" i="1" smtClean="0">
+                              <a:latin typeface="Cambria Math" panose="02040503050406030204" pitchFamily="18" charset="0"/>
+                            </a:rPr>
+                            <m:t>4</m:t>
+                          </m:r>
+                        </m:sub>
+                      </m:sSub>
+                      <m:r>
+                        <a:rPr lang="de-DE" b="0" i="1" smtClean="0">
+                          <a:latin typeface="Cambria Math" panose="02040503050406030204" pitchFamily="18" charset="0"/>
+                        </a:rPr>
+                        <m:t>=</m:t>
+                      </m:r>
+                      <m:r>
+                        <a:rPr lang="de-DE" b="0" i="1" smtClean="0">
+                          <a:latin typeface="Cambria Math" panose="02040503050406030204" pitchFamily="18" charset="0"/>
+                        </a:rPr>
+                        <m:t>𝑓</m:t>
+                      </m:r>
+                      <m:r>
+                        <a:rPr lang="de-DE" b="0" i="1" smtClean="0">
+                          <a:latin typeface="Cambria Math" panose="02040503050406030204" pitchFamily="18" charset="0"/>
+                        </a:rPr>
+                        <m:t>(</m:t>
+                      </m:r>
+                      <m:sSub>
+                        <m:sSubPr>
+                          <m:ctrlPr>
+                            <a:rPr lang="de-DE" b="0" i="1" smtClean="0">
+                              <a:latin typeface="Cambria Math" panose="02040503050406030204" pitchFamily="18" charset="0"/>
+                            </a:rPr>
+                          </m:ctrlPr>
+                        </m:sSubPr>
+                        <m:e>
+                          <m:r>
+                            <a:rPr lang="de-DE" b="0" i="1" smtClean="0">
+                              <a:latin typeface="Cambria Math" panose="02040503050406030204" pitchFamily="18" charset="0"/>
+                            </a:rPr>
+                            <m:t>𝑡</m:t>
+                          </m:r>
+                        </m:e>
+                        <m:sub>
+                          <m:r>
+                            <a:rPr lang="de-DE" b="0" i="1" smtClean="0">
+                              <a:latin typeface="Cambria Math" panose="02040503050406030204" pitchFamily="18" charset="0"/>
+                            </a:rPr>
+                            <m:t>𝑖</m:t>
+                          </m:r>
+                        </m:sub>
+                      </m:sSub>
+                      <m:r>
+                        <a:rPr lang="de-DE" b="0" i="1" smtClean="0">
+                          <a:latin typeface="Cambria Math" panose="02040503050406030204" pitchFamily="18" charset="0"/>
+                        </a:rPr>
+                        <m:t>+</m:t>
+                      </m:r>
+                      <m:sSub>
+                        <m:sSubPr>
+                          <m:ctrlPr>
+                            <a:rPr lang="de-DE" b="0" i="1" smtClean="0">
+                              <a:latin typeface="Cambria Math" panose="02040503050406030204" pitchFamily="18" charset="0"/>
+                            </a:rPr>
+                          </m:ctrlPr>
+                        </m:sSubPr>
+                        <m:e>
+                          <m:r>
+                            <a:rPr lang="de-DE" b="0" i="1" smtClean="0">
+                              <a:latin typeface="Cambria Math" panose="02040503050406030204" pitchFamily="18" charset="0"/>
+                            </a:rPr>
+                            <m:t>h</m:t>
+                          </m:r>
+                        </m:e>
+                        <m:sub>
+                          <m:r>
+                            <a:rPr lang="de-DE" b="0" i="1" smtClean="0">
+                              <a:latin typeface="Cambria Math" panose="02040503050406030204" pitchFamily="18" charset="0"/>
+                            </a:rPr>
+                            <m:t>𝑖</m:t>
+                          </m:r>
+                        </m:sub>
+                      </m:sSub>
+                      <m:r>
+                        <a:rPr lang="de-DE" b="0" i="1" smtClean="0">
+                          <a:latin typeface="Cambria Math" panose="02040503050406030204" pitchFamily="18" charset="0"/>
+                        </a:rPr>
+                        <m:t>,</m:t>
+                      </m:r>
+                      <m:sSub>
+                        <m:sSubPr>
+                          <m:ctrlPr>
+                            <a:rPr lang="de-DE" b="0" i="1" smtClean="0">
+                              <a:latin typeface="Cambria Math" panose="02040503050406030204" pitchFamily="18" charset="0"/>
+                            </a:rPr>
+                          </m:ctrlPr>
+                        </m:sSubPr>
+                        <m:e>
+                          <m:r>
+                            <a:rPr lang="de-DE" b="0" i="1" smtClean="0">
+                              <a:latin typeface="Cambria Math" panose="02040503050406030204" pitchFamily="18" charset="0"/>
+                            </a:rPr>
+                            <m:t>𝑦</m:t>
+                          </m:r>
+                        </m:e>
+                        <m:sub>
+                          <m:r>
+                            <a:rPr lang="de-DE" b="0" i="1" smtClean="0">
+                              <a:latin typeface="Cambria Math" panose="02040503050406030204" pitchFamily="18" charset="0"/>
+                            </a:rPr>
+                            <m:t>𝑖</m:t>
+                          </m:r>
+                        </m:sub>
+                      </m:sSub>
+                      <m:r>
+                        <a:rPr lang="de-DE" b="0" i="1" smtClean="0">
+                          <a:latin typeface="Cambria Math" panose="02040503050406030204" pitchFamily="18" charset="0"/>
+                        </a:rPr>
+                        <m:t>+</m:t>
+                      </m:r>
+                      <m:sSub>
+                        <m:sSubPr>
+                          <m:ctrlPr>
+                            <a:rPr lang="de-DE" b="0" i="1" smtClean="0">
+                              <a:latin typeface="Cambria Math" panose="02040503050406030204" pitchFamily="18" charset="0"/>
+                            </a:rPr>
+                          </m:ctrlPr>
+                        </m:sSubPr>
+                        <m:e>
+                          <m:r>
+                            <a:rPr lang="de-DE" b="0" i="1" smtClean="0">
+                              <a:latin typeface="Cambria Math" panose="02040503050406030204" pitchFamily="18" charset="0"/>
+                            </a:rPr>
+                            <m:t>h</m:t>
+                          </m:r>
+                        </m:e>
+                        <m:sub>
+                          <m:r>
+                            <a:rPr lang="de-DE" b="0" i="1" smtClean="0">
+                              <a:latin typeface="Cambria Math" panose="02040503050406030204" pitchFamily="18" charset="0"/>
+                            </a:rPr>
+                            <m:t>𝑖</m:t>
+                          </m:r>
+                        </m:sub>
+                      </m:sSub>
+                      <m:r>
+                        <a:rPr lang="de-DE" b="0" i="1" smtClean="0">
+                          <a:latin typeface="Cambria Math" panose="02040503050406030204" pitchFamily="18" charset="0"/>
+                        </a:rPr>
+                        <m:t>⋅</m:t>
+                      </m:r>
+                      <m:sSub>
+                        <m:sSubPr>
+                          <m:ctrlPr>
+                            <a:rPr lang="de-DE" b="0" i="1" smtClean="0">
+                              <a:latin typeface="Cambria Math" panose="02040503050406030204" pitchFamily="18" charset="0"/>
+                            </a:rPr>
+                          </m:ctrlPr>
+                        </m:sSubPr>
+                        <m:e>
+                          <m:r>
+                            <a:rPr lang="de-DE" b="0" i="1" smtClean="0">
+                              <a:latin typeface="Cambria Math" panose="02040503050406030204" pitchFamily="18" charset="0"/>
+                            </a:rPr>
+                            <m:t>𝑘</m:t>
+                          </m:r>
+                        </m:e>
+                        <m:sub>
+                          <m:r>
+                            <a:rPr lang="de-DE" b="0" i="1" smtClean="0">
+                              <a:latin typeface="Cambria Math" panose="02040503050406030204" pitchFamily="18" charset="0"/>
+                            </a:rPr>
+                            <m:t>3</m:t>
+                          </m:r>
+                        </m:sub>
+                      </m:sSub>
+                      <m:r>
+                        <a:rPr lang="de-DE" b="0" i="1" smtClean="0">
+                          <a:latin typeface="Cambria Math" panose="02040503050406030204" pitchFamily="18" charset="0"/>
+                        </a:rPr>
+                        <m:t>)</m:t>
+                      </m:r>
+                    </m:oMath>
+                  </m:oMathPara>
+                </a14:m>
+                <a:endParaRPr lang="de-DE" dirty="0"/>
+              </a:p>
+            </p:txBody>
+          </p:sp>
+        </mc:Choice>
+        <mc:Fallback xmlns="">
+          <p:sp>
+            <p:nvSpPr>
+              <p:cNvPr id="5" name="Textfeld 4">
+                <a:extLst>
+                  <a:ext uri="{FF2B5EF4-FFF2-40B4-BE49-F238E27FC236}">
+                    <a16:creationId xmlns:a16="http://schemas.microsoft.com/office/drawing/2014/main" id="{D410DA15-35C9-4A8D-B435-2E12D57E12EE}"/>
+                  </a:ext>
+                </a:extLst>
+              </p:cNvPr>
+              <p:cNvSpPr txBox="1">
+                <a:spLocks noRot="1" noChangeAspect="1" noMove="1" noResize="1" noEditPoints="1" noAdjustHandles="1" noChangeArrowheads="1" noChangeShapeType="1" noTextEdit="1"/>
+              </p:cNvSpPr>
+              <p:nvPr/>
+            </p:nvSpPr>
+            <p:spPr>
+              <a:xfrm>
+                <a:off x="548640" y="3055620"/>
+                <a:ext cx="4606517" cy="2688428"/>
+              </a:xfrm>
+              <a:prstGeom prst="rect">
+                <a:avLst/>
+              </a:prstGeom>
+              <a:blipFill>
+                <a:blip r:embed="rId3"/>
+                <a:stretch>
+                  <a:fillRect b="-1134"/>
+                </a:stretch>
+              </a:blipFill>
+            </p:spPr>
+            <p:txBody>
+              <a:bodyPr/>
+              <a:lstStyle/>
+              <a:p>
+                <a:r>
+                  <a:rPr lang="de-DE">
+                    <a:noFill/>
+                  </a:rPr>
+                  <a:t> </a:t>
+                </a:r>
+              </a:p>
+            </p:txBody>
+          </p:sp>
+        </mc:Fallback>
+      </mc:AlternateContent>
+      <mc:AlternateContent xmlns:mc="http://schemas.openxmlformats.org/markup-compatibility/2006" xmlns:a14="http://schemas.microsoft.com/office/drawing/2010/main">
+        <mc:Choice Requires="a14">
+          <p:sp>
+            <p:nvSpPr>
+              <p:cNvPr id="6" name="Textfeld 5">
+                <a:extLst>
+                  <a:ext uri="{FF2B5EF4-FFF2-40B4-BE49-F238E27FC236}">
+                    <a16:creationId xmlns:a16="http://schemas.microsoft.com/office/drawing/2014/main" id="{7875CA2C-EB6E-4F4E-B779-0C58FBAE685A}"/>
+                  </a:ext>
+                </a:extLst>
+              </p:cNvPr>
+              <p:cNvSpPr txBox="1"/>
+              <p:nvPr/>
+            </p:nvSpPr>
+            <p:spPr>
+              <a:xfrm>
+                <a:off x="548640" y="2385060"/>
+                <a:ext cx="5619389" cy="1173013"/>
+              </a:xfrm>
+              <a:prstGeom prst="rect">
+                <a:avLst/>
+              </a:prstGeom>
+              <a:noFill/>
+            </p:spPr>
+            <p:txBody>
+              <a:bodyPr wrap="square" rtlCol="0">
+                <a:spAutoFit/>
+              </a:bodyPr>
+              <a:lstStyle/>
+              <a:p>
+                <a:pPr/>
+                <a14:m>
+                  <m:oMathPara xmlns:m="http://schemas.openxmlformats.org/officeDocument/2006/math">
+                    <m:oMathParaPr>
+                      <m:jc m:val="centerGroup"/>
+                    </m:oMathParaPr>
+                    <m:oMath xmlns:m="http://schemas.openxmlformats.org/officeDocument/2006/math">
+                      <m:f>
+                        <m:fPr>
+                          <m:ctrlPr>
+                            <a:rPr lang="de-DE" b="1" i="1" smtClean="0">
+                              <a:solidFill>
+                                <a:schemeClr val="accent6"/>
+                              </a:solidFill>
+                              <a:latin typeface="Cambria Math" panose="02040503050406030204" pitchFamily="18" charset="0"/>
+                            </a:rPr>
+                          </m:ctrlPr>
+                        </m:fPr>
+                        <m:num>
+                          <m:r>
+                            <a:rPr lang="de-DE" b="1" i="1" smtClean="0">
+                              <a:solidFill>
+                                <a:schemeClr val="accent6"/>
+                              </a:solidFill>
+                              <a:latin typeface="Cambria Math" panose="02040503050406030204" pitchFamily="18" charset="0"/>
+                            </a:rPr>
+                            <m:t>𝝏𝝎</m:t>
+                          </m:r>
+                        </m:num>
+                        <m:den>
+                          <m:r>
+                            <a:rPr lang="de-DE" b="1" i="1" smtClean="0">
+                              <a:solidFill>
+                                <a:schemeClr val="accent6"/>
+                              </a:solidFill>
+                              <a:latin typeface="Cambria Math" panose="02040503050406030204" pitchFamily="18" charset="0"/>
+                            </a:rPr>
+                            <m:t>𝝏</m:t>
+                          </m:r>
+                          <m:r>
+                            <a:rPr lang="de-DE" b="1" i="1" smtClean="0">
+                              <a:solidFill>
+                                <a:schemeClr val="accent6"/>
+                              </a:solidFill>
+                              <a:latin typeface="Cambria Math" panose="02040503050406030204" pitchFamily="18" charset="0"/>
+                            </a:rPr>
+                            <m:t>𝒕</m:t>
+                          </m:r>
+                        </m:den>
+                      </m:f>
+                      <m:r>
+                        <a:rPr lang="de-DE" b="1" i="1" smtClean="0">
+                          <a:solidFill>
+                            <a:schemeClr val="accent6"/>
+                          </a:solidFill>
+                          <a:latin typeface="Cambria Math" panose="02040503050406030204" pitchFamily="18" charset="0"/>
+                        </a:rPr>
+                        <m:t>=</m:t>
+                      </m:r>
+                      <m:r>
+                        <a:rPr lang="de-DE" b="1" i="1" smtClean="0">
+                          <a:solidFill>
+                            <a:schemeClr val="accent6"/>
+                          </a:solidFill>
+                          <a:latin typeface="Cambria Math" panose="02040503050406030204" pitchFamily="18" charset="0"/>
+                        </a:rPr>
+                        <m:t>𝝂</m:t>
+                      </m:r>
+                      <m:r>
+                        <a:rPr lang="de-DE" b="1" i="1" smtClean="0">
+                          <a:solidFill>
+                            <a:schemeClr val="accent6"/>
+                          </a:solidFill>
+                          <a:latin typeface="Cambria Math" panose="02040503050406030204" pitchFamily="18" charset="0"/>
+                        </a:rPr>
+                        <m:t>⋅</m:t>
+                      </m:r>
+                      <m:r>
+                        <a:rPr lang="de-DE" b="1" i="0" smtClean="0">
+                          <a:solidFill>
+                            <a:schemeClr val="accent6"/>
+                          </a:solidFill>
+                          <a:latin typeface="Cambria Math" panose="02040503050406030204" pitchFamily="18" charset="0"/>
+                        </a:rPr>
+                        <m:t>𝚫</m:t>
+                      </m:r>
+                      <m:r>
+                        <a:rPr lang="de-DE" b="1" i="1" smtClean="0">
+                          <a:solidFill>
+                            <a:schemeClr val="accent6"/>
+                          </a:solidFill>
+                          <a:latin typeface="Cambria Math" panose="02040503050406030204" pitchFamily="18" charset="0"/>
+                        </a:rPr>
+                        <m:t>𝝎</m:t>
+                      </m:r>
+                      <m:r>
+                        <a:rPr lang="de-DE" b="1" i="1" smtClean="0">
+                          <a:solidFill>
+                            <a:schemeClr val="accent6"/>
+                          </a:solidFill>
+                          <a:latin typeface="Cambria Math" panose="02040503050406030204" pitchFamily="18" charset="0"/>
+                        </a:rPr>
+                        <m:t>−</m:t>
+                      </m:r>
+                      <m:d>
+                        <m:dPr>
+                          <m:ctrlPr>
+                            <a:rPr lang="de-DE" b="1" i="1" smtClean="0">
+                              <a:solidFill>
+                                <a:schemeClr val="accent6"/>
+                              </a:solidFill>
+                              <a:latin typeface="Cambria Math" panose="02040503050406030204" pitchFamily="18" charset="0"/>
+                            </a:rPr>
+                          </m:ctrlPr>
+                        </m:dPr>
+                        <m:e>
+                          <m:acc>
+                            <m:accPr>
+                              <m:chr m:val="⃗"/>
+                              <m:ctrlPr>
+                                <a:rPr lang="de-DE" b="1" i="1" smtClean="0">
+                                  <a:solidFill>
+                                    <a:schemeClr val="accent6"/>
+                                  </a:solidFill>
+                                  <a:latin typeface="Cambria Math" panose="02040503050406030204" pitchFamily="18" charset="0"/>
+                                </a:rPr>
+                              </m:ctrlPr>
+                            </m:accPr>
+                            <m:e>
+                              <m:r>
+                                <a:rPr lang="de-DE" b="1" i="1" smtClean="0">
+                                  <a:solidFill>
+                                    <a:schemeClr val="accent6"/>
+                                  </a:solidFill>
+                                  <a:latin typeface="Cambria Math" panose="02040503050406030204" pitchFamily="18" charset="0"/>
+                                </a:rPr>
+                                <m:t>𝒗</m:t>
+                              </m:r>
+                            </m:e>
+                          </m:acc>
+                          <m:r>
+                            <a:rPr lang="de-DE" b="1" i="1" smtClean="0">
+                              <a:solidFill>
+                                <a:schemeClr val="accent6"/>
+                              </a:solidFill>
+                              <a:latin typeface="Cambria Math" panose="02040503050406030204" pitchFamily="18" charset="0"/>
+                            </a:rPr>
+                            <m:t>⋅</m:t>
+                          </m:r>
+                          <m:r>
+                            <a:rPr lang="de-DE" b="1" i="1" smtClean="0">
+                              <a:solidFill>
+                                <a:schemeClr val="accent6"/>
+                              </a:solidFill>
+                              <a:latin typeface="Cambria Math" panose="02040503050406030204" pitchFamily="18" charset="0"/>
+                              <a:ea typeface="Cambria Math" panose="02040503050406030204" pitchFamily="18" charset="0"/>
+                            </a:rPr>
+                            <m:t>𝜵</m:t>
+                          </m:r>
+                        </m:e>
+                      </m:d>
+                      <m:r>
+                        <a:rPr lang="de-DE" b="1" i="1" smtClean="0">
+                          <a:solidFill>
+                            <a:schemeClr val="accent6"/>
+                          </a:solidFill>
+                          <a:latin typeface="Cambria Math" panose="02040503050406030204" pitchFamily="18" charset="0"/>
+                          <a:ea typeface="Cambria Math" panose="02040503050406030204" pitchFamily="18" charset="0"/>
+                        </a:rPr>
+                        <m:t>⋅</m:t>
+                      </m:r>
+                      <m:r>
+                        <a:rPr lang="de-DE" b="1" i="1" smtClean="0">
+                          <a:solidFill>
+                            <a:schemeClr val="accent6"/>
+                          </a:solidFill>
+                          <a:latin typeface="Cambria Math" panose="02040503050406030204" pitchFamily="18" charset="0"/>
+                          <a:ea typeface="Cambria Math" panose="02040503050406030204" pitchFamily="18" charset="0"/>
+                        </a:rPr>
+                        <m:t>𝝎</m:t>
+                      </m:r>
+                    </m:oMath>
+                  </m:oMathPara>
+                </a14:m>
+                <a:endParaRPr lang="de-DE" b="1" dirty="0">
+                  <a:solidFill>
+                    <a:schemeClr val="accent6"/>
+                  </a:solidFill>
+                </a:endParaRPr>
+              </a:p>
+              <a:p>
+                <a:endParaRPr lang="de-DE" b="0" dirty="0"/>
+              </a:p>
+              <a:p>
+                <a:endParaRPr lang="de-DE" dirty="0"/>
+              </a:p>
+            </p:txBody>
+          </p:sp>
+        </mc:Choice>
+        <mc:Fallback xmlns="">
+          <p:sp>
+            <p:nvSpPr>
+              <p:cNvPr id="6" name="Textfeld 5">
+                <a:extLst>
+                  <a:ext uri="{FF2B5EF4-FFF2-40B4-BE49-F238E27FC236}">
+                    <a16:creationId xmlns:a16="http://schemas.microsoft.com/office/drawing/2014/main" id="{7875CA2C-EB6E-4F4E-B779-0C58FBAE685A}"/>
+                  </a:ext>
+                </a:extLst>
+              </p:cNvPr>
+              <p:cNvSpPr txBox="1">
+                <a:spLocks noRot="1" noChangeAspect="1" noMove="1" noResize="1" noEditPoints="1" noAdjustHandles="1" noChangeArrowheads="1" noChangeShapeType="1" noTextEdit="1"/>
+              </p:cNvSpPr>
+              <p:nvPr/>
+            </p:nvSpPr>
+            <p:spPr>
+              <a:xfrm>
+                <a:off x="548640" y="2385060"/>
+                <a:ext cx="5619389" cy="1173013"/>
+              </a:xfrm>
+              <a:prstGeom prst="rect">
+                <a:avLst/>
+              </a:prstGeom>
+              <a:blipFill>
+                <a:blip r:embed="rId4"/>
+                <a:stretch>
+                  <a:fillRect/>
+                </a:stretch>
+              </a:blipFill>
+            </p:spPr>
+            <p:txBody>
+              <a:bodyPr/>
+              <a:lstStyle/>
+              <a:p>
+                <a:r>
+                  <a:rPr lang="de-DE">
+                    <a:noFill/>
+                  </a:rPr>
+                  <a:t> </a:t>
+                </a:r>
+              </a:p>
+            </p:txBody>
+          </p:sp>
+        </mc:Fallback>
+      </mc:AlternateContent>
     </p:spTree>
     <p:extLst>
       <p:ext uri="{BB962C8B-B14F-4D97-AF65-F5344CB8AC3E}">
-        <p14:creationId xmlns:p14="http://schemas.microsoft.com/office/powerpoint/2010/main" val="2560660053"/>
+        <p14:creationId xmlns:p14="http://schemas.microsoft.com/office/powerpoint/2010/main" val="1158043010"/>
       </p:ext>
     </p:extLst>
   </p:cSld>
   <p:clrMapOvr>
     <a:masterClrMapping/>
   </p:clrMapOvr>
+  <p:timing>
+    <p:tnLst>
+      <p:par>
+        <p:cTn id="1" dur="indefinite" restart="never" nodeType="tmRoot">
+          <p:childTnLst>
+            <p:seq concurrent="1" nextAc="seek">
+              <p:cTn id="2" dur="indefinite" nodeType="mainSeq">
+                <p:childTnLst>
+                  <p:par>
+                    <p:cTn id="3" fill="hold">
+                      <p:stCondLst>
+                        <p:cond delay="indefinite"/>
+                      </p:stCondLst>
+                      <p:childTnLst>
+                        <p:par>
+                          <p:cTn id="4" fill="hold">
+                            <p:stCondLst>
+                              <p:cond delay="0"/>
+                            </p:stCondLst>
+                            <p:childTnLst>
+                              <p:par>
+                                <p:cTn id="5" presetID="10" presetClass="entr" presetSubtype="0" fill="hold" grpId="0" nodeType="clickEffect">
+                                  <p:stCondLst>
+                                    <p:cond delay="0"/>
+                                  </p:stCondLst>
+                                  <p:childTnLst>
+                                    <p:set>
+                                      <p:cBhvr>
+                                        <p:cTn id="6" dur="1" fill="hold">
+                                          <p:stCondLst>
+                                            <p:cond delay="0"/>
+                                          </p:stCondLst>
+                                        </p:cTn>
+                                        <p:tgtEl>
+                                          <p:spTgt spid="6"/>
+                                        </p:tgtEl>
+                                        <p:attrNameLst>
+                                          <p:attrName>style.visibility</p:attrName>
+                                        </p:attrNameLst>
+                                      </p:cBhvr>
+                                      <p:to>
+                                        <p:strVal val="visible"/>
+                                      </p:to>
+                                    </p:set>
+                                    <p:animEffect transition="in" filter="fade">
+                                      <p:cBhvr>
+                                        <p:cTn id="7" dur="3000"/>
+                                        <p:tgtEl>
+                                          <p:spTgt spid="6"/>
+                                        </p:tgtEl>
+                                      </p:cBhvr>
+                                    </p:animEffect>
+                                  </p:childTnLst>
+                                </p:cTn>
+                              </p:par>
+                            </p:childTnLst>
+                          </p:cTn>
+                        </p:par>
+                      </p:childTnLst>
+                    </p:cTn>
+                  </p:par>
+                </p:childTnLst>
+              </p:cTn>
+              <p:prevCondLst>
+                <p:cond evt="onPrev" delay="0">
+                  <p:tgtEl>
+                    <p:sldTgt/>
+                  </p:tgtEl>
+                </p:cond>
+              </p:prevCondLst>
+              <p:nextCondLst>
+                <p:cond evt="onNext" delay="0">
+                  <p:tgtEl>
+                    <p:sldTgt/>
+                  </p:tgtEl>
+                </p:cond>
+              </p:nextCondLst>
+            </p:seq>
+          </p:childTnLst>
+        </p:cTn>
+      </p:par>
+    </p:tnLst>
+    <p:bldLst>
+      <p:bldP spid="6" grpId="0"/>
+    </p:bldLst>
+  </p:timing>
 </p:sld>
 </file>
 
@@ -3921,7 +7142,7 @@
           <p:cNvPr id="2" name="Titel 1">
             <a:extLst>
               <a:ext uri="{FF2B5EF4-FFF2-40B4-BE49-F238E27FC236}">
-                <a16:creationId xmlns:a16="http://schemas.microsoft.com/office/drawing/2014/main" id="{7D532B7C-F4FA-433C-92D9-82A89D65C461}"/>
+                <a16:creationId xmlns:a16="http://schemas.microsoft.com/office/drawing/2014/main" id="{EF819853-C21D-4426-B7CF-DDA2CB272E7C}"/>
               </a:ext>
             </a:extLst>
           </p:cNvPr>
@@ -3939,40 +7160,488 @@
           <a:p>
             <a:r>
               <a:rPr lang="de-DE" dirty="0"/>
-              <a:t>Ergebnisse</a:t>
-            </a:r>
-          </a:p>
-        </p:txBody>
-      </p:sp>
-      <p:sp>
-        <p:nvSpPr>
-          <p:cNvPr id="3" name="Inhaltsplatzhalter 2">
-            <a:extLst>
-              <a:ext uri="{FF2B5EF4-FFF2-40B4-BE49-F238E27FC236}">
-                <a16:creationId xmlns:a16="http://schemas.microsoft.com/office/drawing/2014/main" id="{610922C2-10ED-42C8-8192-55B7DC88F019}"/>
-              </a:ext>
-            </a:extLst>
-          </p:cNvPr>
-          <p:cNvSpPr>
-            <a:spLocks noGrp="1"/>
-          </p:cNvSpPr>
-          <p:nvPr>
-            <p:ph idx="1"/>
-          </p:nvPr>
-        </p:nvSpPr>
-        <p:spPr/>
-        <p:txBody>
-          <a:bodyPr/>
+              <a:t>Implementierung</a:t>
+            </a:r>
+          </a:p>
+        </p:txBody>
+      </p:sp>
+      <p:sp>
+        <p:nvSpPr>
+          <p:cNvPr id="4" name="Textfeld 3">
+            <a:extLst>
+              <a:ext uri="{FF2B5EF4-FFF2-40B4-BE49-F238E27FC236}">
+                <a16:creationId xmlns:a16="http://schemas.microsoft.com/office/drawing/2014/main" id="{5FB8EFE6-60CC-4256-86AF-DEFEE47140F9}"/>
+              </a:ext>
+            </a:extLst>
+          </p:cNvPr>
+          <p:cNvSpPr txBox="1"/>
+          <p:nvPr/>
+        </p:nvSpPr>
+        <p:spPr>
+          <a:xfrm>
+            <a:off x="5315755" y="1490811"/>
+            <a:ext cx="2229485" cy="646331"/>
+          </a:xfrm>
+          <a:prstGeom prst="rect">
+            <a:avLst/>
+          </a:prstGeom>
+          <a:noFill/>
+          <a:ln w="15875">
+            <a:solidFill>
+              <a:schemeClr val="accent1"/>
+            </a:solidFill>
+          </a:ln>
+        </p:spPr>
+        <p:txBody>
+          <a:bodyPr wrap="square" rtlCol="0">
+            <a:spAutoFit/>
+          </a:bodyPr>
           <a:lstStyle/>
           <a:p>
-            <a:endParaRPr lang="de-DE"/>
+            <a:r>
+              <a:rPr lang="de-DE" dirty="0"/>
+              <a:t>Anfangsbedingung</a:t>
+            </a:r>
+          </a:p>
+          <a:p>
+            <a:r>
+              <a:rPr lang="de-DE" dirty="0"/>
+              <a:t>w(</a:t>
+            </a:r>
+            <a:r>
+              <a:rPr lang="de-DE" u="sng" dirty="0"/>
+              <a:t>x</a:t>
+            </a:r>
+            <a:r>
+              <a:rPr lang="de-DE" dirty="0"/>
+              <a:t>, t=0)</a:t>
+            </a:r>
+          </a:p>
+        </p:txBody>
+      </p:sp>
+      <p:sp>
+        <p:nvSpPr>
+          <p:cNvPr id="6" name="Textfeld 5">
+            <a:extLst>
+              <a:ext uri="{FF2B5EF4-FFF2-40B4-BE49-F238E27FC236}">
+                <a16:creationId xmlns:a16="http://schemas.microsoft.com/office/drawing/2014/main" id="{E3B58C5F-1703-424A-98DF-FDD696BFE927}"/>
+              </a:ext>
+            </a:extLst>
+          </p:cNvPr>
+          <p:cNvSpPr txBox="1"/>
+          <p:nvPr/>
+        </p:nvSpPr>
+        <p:spPr>
+          <a:xfrm>
+            <a:off x="2042160" y="2979281"/>
+            <a:ext cx="2204720" cy="923330"/>
+          </a:xfrm>
+          <a:prstGeom prst="rect">
+            <a:avLst/>
+          </a:prstGeom>
+          <a:noFill/>
+          <a:ln w="15875">
+            <a:solidFill>
+              <a:schemeClr val="accent1"/>
+            </a:solidFill>
+          </a:ln>
+        </p:spPr>
+        <p:txBody>
+          <a:bodyPr wrap="square" rtlCol="0">
+            <a:spAutoFit/>
+          </a:bodyPr>
+          <a:lstStyle/>
+          <a:p>
+            <a:r>
+              <a:rPr lang="de-DE" dirty="0"/>
+              <a:t>w(</a:t>
+            </a:r>
+            <a:r>
+              <a:rPr lang="de-DE" u="sng" dirty="0"/>
+              <a:t>x</a:t>
+            </a:r>
+            <a:r>
+              <a:rPr lang="de-DE" dirty="0"/>
+              <a:t>, t) berechnen mittels Runge-</a:t>
+            </a:r>
+            <a:r>
+              <a:rPr lang="de-DE" dirty="0" err="1"/>
+              <a:t>Kutta</a:t>
+            </a:r>
+            <a:r>
+              <a:rPr lang="de-DE" dirty="0"/>
+              <a:t>-Verfahren 4. Stufe</a:t>
+            </a:r>
+          </a:p>
+        </p:txBody>
+      </p:sp>
+      <p:sp>
+        <p:nvSpPr>
+          <p:cNvPr id="7" name="Textfeld 6">
+            <a:extLst>
+              <a:ext uri="{FF2B5EF4-FFF2-40B4-BE49-F238E27FC236}">
+                <a16:creationId xmlns:a16="http://schemas.microsoft.com/office/drawing/2014/main" id="{2351651C-9F6C-483D-9D54-ADB9F06B2487}"/>
+              </a:ext>
+            </a:extLst>
+          </p:cNvPr>
+          <p:cNvSpPr txBox="1"/>
+          <p:nvPr/>
+        </p:nvSpPr>
+        <p:spPr>
+          <a:xfrm>
+            <a:off x="7172960" y="2979281"/>
+            <a:ext cx="1737360" cy="923330"/>
+          </a:xfrm>
+          <a:prstGeom prst="rect">
+            <a:avLst/>
+          </a:prstGeom>
+          <a:noFill/>
+          <a:ln w="15875">
+            <a:solidFill>
+              <a:schemeClr val="accent1"/>
+            </a:solidFill>
+          </a:ln>
+        </p:spPr>
+        <p:txBody>
+          <a:bodyPr wrap="square" rtlCol="0">
+            <a:spAutoFit/>
+          </a:bodyPr>
+          <a:lstStyle/>
+          <a:p>
+            <a:r>
+              <a:rPr lang="el-GR" dirty="0"/>
+              <a:t>Ψ</a:t>
+            </a:r>
+            <a:r>
+              <a:rPr lang="de-DE" dirty="0"/>
+              <a:t> berechnen aus der Poisson Gleichung</a:t>
+            </a:r>
+          </a:p>
+        </p:txBody>
+      </p:sp>
+      <p:sp>
+        <p:nvSpPr>
+          <p:cNvPr id="8" name="Textfeld 7">
+            <a:extLst>
+              <a:ext uri="{FF2B5EF4-FFF2-40B4-BE49-F238E27FC236}">
+                <a16:creationId xmlns:a16="http://schemas.microsoft.com/office/drawing/2014/main" id="{54DF80F2-7A45-44DF-8A32-FA3637C7C809}"/>
+              </a:ext>
+            </a:extLst>
+          </p:cNvPr>
+          <p:cNvSpPr txBox="1"/>
+          <p:nvPr/>
+        </p:nvSpPr>
+        <p:spPr>
+          <a:xfrm>
+            <a:off x="4246880" y="5652869"/>
+            <a:ext cx="2550160" cy="646331"/>
+          </a:xfrm>
+          <a:prstGeom prst="rect">
+            <a:avLst/>
+          </a:prstGeom>
+          <a:noFill/>
+          <a:ln w="15875">
+            <a:solidFill>
+              <a:schemeClr val="accent1"/>
+            </a:solidFill>
+          </a:ln>
+        </p:spPr>
+        <p:txBody>
+          <a:bodyPr wrap="square" rtlCol="0">
+            <a:spAutoFit/>
+          </a:bodyPr>
+          <a:lstStyle/>
+          <a:p>
+            <a:r>
+              <a:rPr lang="de-DE" dirty="0" err="1"/>
+              <a:t>u,v</a:t>
+            </a:r>
+            <a:r>
+              <a:rPr lang="de-DE" dirty="0"/>
+              <a:t> berechnen aus der Cauchy-Riemann-DGL</a:t>
+            </a:r>
+          </a:p>
+        </p:txBody>
+      </p:sp>
+      <p:cxnSp>
+        <p:nvCxnSpPr>
+          <p:cNvPr id="10" name="Gerade Verbindung mit Pfeil 9">
+            <a:extLst>
+              <a:ext uri="{FF2B5EF4-FFF2-40B4-BE49-F238E27FC236}">
+                <a16:creationId xmlns:a16="http://schemas.microsoft.com/office/drawing/2014/main" id="{8D894C03-6841-4145-85FF-EC527FFC9385}"/>
+              </a:ext>
+            </a:extLst>
+          </p:cNvPr>
+          <p:cNvCxnSpPr>
+            <a:cxnSpLocks/>
+            <a:stCxn id="4" idx="3"/>
+            <a:endCxn id="7" idx="0"/>
+          </p:cNvCxnSpPr>
+          <p:nvPr/>
+        </p:nvCxnSpPr>
+        <p:spPr>
+          <a:xfrm>
+            <a:off x="7545240" y="1813977"/>
+            <a:ext cx="496400" cy="1165304"/>
+          </a:xfrm>
+          <a:prstGeom prst="straightConnector1">
+            <a:avLst/>
+          </a:prstGeom>
+          <a:ln w="19050">
+            <a:tailEnd type="stealth"/>
+          </a:ln>
+        </p:spPr>
+        <p:style>
+          <a:lnRef idx="1">
+            <a:schemeClr val="accent1"/>
+          </a:lnRef>
+          <a:fillRef idx="0">
+            <a:schemeClr val="accent1"/>
+          </a:fillRef>
+          <a:effectRef idx="0">
+            <a:schemeClr val="accent1"/>
+          </a:effectRef>
+          <a:fontRef idx="minor">
+            <a:schemeClr val="tx1"/>
+          </a:fontRef>
+        </p:style>
+      </p:cxnSp>
+      <p:cxnSp>
+        <p:nvCxnSpPr>
+          <p:cNvPr id="14" name="Gerade Verbindung mit Pfeil 13">
+            <a:extLst>
+              <a:ext uri="{FF2B5EF4-FFF2-40B4-BE49-F238E27FC236}">
+                <a16:creationId xmlns:a16="http://schemas.microsoft.com/office/drawing/2014/main" id="{B043A0DE-0A20-4B45-8CF7-6C952A01EEE5}"/>
+              </a:ext>
+            </a:extLst>
+          </p:cNvPr>
+          <p:cNvCxnSpPr>
+            <a:cxnSpLocks/>
+            <a:stCxn id="7" idx="2"/>
+            <a:endCxn id="8" idx="3"/>
+          </p:cNvCxnSpPr>
+          <p:nvPr/>
+        </p:nvCxnSpPr>
+        <p:spPr>
+          <a:xfrm flipH="1">
+            <a:off x="6797040" y="3902611"/>
+            <a:ext cx="1244600" cy="2073424"/>
+          </a:xfrm>
+          <a:prstGeom prst="straightConnector1">
+            <a:avLst/>
+          </a:prstGeom>
+          <a:ln w="19050">
+            <a:tailEnd type="stealth"/>
+          </a:ln>
+        </p:spPr>
+        <p:style>
+          <a:lnRef idx="1">
+            <a:schemeClr val="accent1"/>
+          </a:lnRef>
+          <a:fillRef idx="0">
+            <a:schemeClr val="accent1"/>
+          </a:fillRef>
+          <a:effectRef idx="0">
+            <a:schemeClr val="accent1"/>
+          </a:effectRef>
+          <a:fontRef idx="minor">
+            <a:schemeClr val="tx1"/>
+          </a:fontRef>
+        </p:style>
+      </p:cxnSp>
+      <p:cxnSp>
+        <p:nvCxnSpPr>
+          <p:cNvPr id="16" name="Gerade Verbindung mit Pfeil 15">
+            <a:extLst>
+              <a:ext uri="{FF2B5EF4-FFF2-40B4-BE49-F238E27FC236}">
+                <a16:creationId xmlns:a16="http://schemas.microsoft.com/office/drawing/2014/main" id="{A7B76C27-C9D1-4171-920F-AE3BF7C90FCE}"/>
+              </a:ext>
+            </a:extLst>
+          </p:cNvPr>
+          <p:cNvCxnSpPr>
+            <a:cxnSpLocks/>
+            <a:stCxn id="8" idx="1"/>
+            <a:endCxn id="6" idx="2"/>
+          </p:cNvCxnSpPr>
+          <p:nvPr/>
+        </p:nvCxnSpPr>
+        <p:spPr>
+          <a:xfrm flipH="1" flipV="1">
+            <a:off x="3144520" y="3902611"/>
+            <a:ext cx="1102360" cy="2073424"/>
+          </a:xfrm>
+          <a:prstGeom prst="straightConnector1">
+            <a:avLst/>
+          </a:prstGeom>
+          <a:ln w="19050">
+            <a:tailEnd type="stealth"/>
+          </a:ln>
+        </p:spPr>
+        <p:style>
+          <a:lnRef idx="1">
+            <a:schemeClr val="accent1"/>
+          </a:lnRef>
+          <a:fillRef idx="0">
+            <a:schemeClr val="accent1"/>
+          </a:fillRef>
+          <a:effectRef idx="0">
+            <a:schemeClr val="accent1"/>
+          </a:effectRef>
+          <a:fontRef idx="minor">
+            <a:schemeClr val="tx1"/>
+          </a:fontRef>
+        </p:style>
+      </p:cxnSp>
+      <p:cxnSp>
+        <p:nvCxnSpPr>
+          <p:cNvPr id="18" name="Gerade Verbindung mit Pfeil 17">
+            <a:extLst>
+              <a:ext uri="{FF2B5EF4-FFF2-40B4-BE49-F238E27FC236}">
+                <a16:creationId xmlns:a16="http://schemas.microsoft.com/office/drawing/2014/main" id="{1A723271-A6D2-43C4-82BC-1C22281B20C2}"/>
+              </a:ext>
+            </a:extLst>
+          </p:cNvPr>
+          <p:cNvCxnSpPr>
+            <a:stCxn id="6" idx="3"/>
+            <a:endCxn id="7" idx="1"/>
+          </p:cNvCxnSpPr>
+          <p:nvPr/>
+        </p:nvCxnSpPr>
+        <p:spPr>
+          <a:xfrm>
+            <a:off x="4246880" y="3440946"/>
+            <a:ext cx="2926080" cy="0"/>
+          </a:xfrm>
+          <a:prstGeom prst="straightConnector1">
+            <a:avLst/>
+          </a:prstGeom>
+          <a:ln w="19050">
+            <a:tailEnd type="stealth"/>
+          </a:ln>
+        </p:spPr>
+        <p:style>
+          <a:lnRef idx="1">
+            <a:schemeClr val="accent1"/>
+          </a:lnRef>
+          <a:fillRef idx="0">
+            <a:schemeClr val="accent1"/>
+          </a:fillRef>
+          <a:effectRef idx="0">
+            <a:schemeClr val="accent1"/>
+          </a:effectRef>
+          <a:fontRef idx="minor">
+            <a:schemeClr val="tx1"/>
+          </a:fontRef>
+        </p:style>
+      </p:cxnSp>
+      <p:sp>
+        <p:nvSpPr>
+          <p:cNvPr id="3" name="Rechteck 2">
+            <a:extLst>
+              <a:ext uri="{FF2B5EF4-FFF2-40B4-BE49-F238E27FC236}">
+                <a16:creationId xmlns:a16="http://schemas.microsoft.com/office/drawing/2014/main" id="{2F7211E7-A61C-498E-AFA4-50AE519D20E4}"/>
+              </a:ext>
+            </a:extLst>
+          </p:cNvPr>
+          <p:cNvSpPr/>
+          <p:nvPr/>
+        </p:nvSpPr>
+        <p:spPr>
+          <a:xfrm>
+            <a:off x="7593366" y="4939323"/>
+            <a:ext cx="357790" cy="369332"/>
+          </a:xfrm>
+          <a:prstGeom prst="rect">
+            <a:avLst/>
+          </a:prstGeom>
+        </p:spPr>
+        <p:txBody>
+          <a:bodyPr wrap="none">
+            <a:spAutoFit/>
+          </a:bodyPr>
+          <a:lstStyle/>
+          <a:p>
+            <a:r>
+              <a:rPr lang="el-GR" dirty="0"/>
+              <a:t>Ψ</a:t>
+            </a:r>
+            <a:endParaRPr lang="de-DE" dirty="0"/>
+          </a:p>
+        </p:txBody>
+      </p:sp>
+      <p:sp>
+        <p:nvSpPr>
+          <p:cNvPr id="5" name="Rechteck 4">
+            <a:extLst>
+              <a:ext uri="{FF2B5EF4-FFF2-40B4-BE49-F238E27FC236}">
+                <a16:creationId xmlns:a16="http://schemas.microsoft.com/office/drawing/2014/main" id="{362EFFE5-8ACF-4515-8435-AD1B69FB0D15}"/>
+              </a:ext>
+            </a:extLst>
+          </p:cNvPr>
+          <p:cNvSpPr/>
+          <p:nvPr/>
+        </p:nvSpPr>
+        <p:spPr>
+          <a:xfrm>
+            <a:off x="3227302" y="4939323"/>
+            <a:ext cx="468398" cy="369332"/>
+          </a:xfrm>
+          <a:prstGeom prst="rect">
+            <a:avLst/>
+          </a:prstGeom>
+        </p:spPr>
+        <p:txBody>
+          <a:bodyPr wrap="none">
+            <a:spAutoFit/>
+          </a:bodyPr>
+          <a:lstStyle/>
+          <a:p>
+            <a:r>
+              <a:rPr lang="de-DE" dirty="0" err="1"/>
+              <a:t>u,v</a:t>
+            </a:r>
+            <a:endParaRPr lang="de-DE" dirty="0"/>
+          </a:p>
+        </p:txBody>
+      </p:sp>
+      <p:sp>
+        <p:nvSpPr>
+          <p:cNvPr id="9" name="Rechteck 8">
+            <a:extLst>
+              <a:ext uri="{FF2B5EF4-FFF2-40B4-BE49-F238E27FC236}">
+                <a16:creationId xmlns:a16="http://schemas.microsoft.com/office/drawing/2014/main" id="{D0EE55E2-E9AE-47E3-9873-77400F045301}"/>
+              </a:ext>
+            </a:extLst>
+          </p:cNvPr>
+          <p:cNvSpPr/>
+          <p:nvPr/>
+        </p:nvSpPr>
+        <p:spPr>
+          <a:xfrm>
+            <a:off x="5521960" y="3071614"/>
+            <a:ext cx="465192" cy="369332"/>
+          </a:xfrm>
+          <a:prstGeom prst="rect">
+            <a:avLst/>
+          </a:prstGeom>
+        </p:spPr>
+        <p:txBody>
+          <a:bodyPr wrap="none">
+            <a:spAutoFit/>
+          </a:bodyPr>
+          <a:lstStyle/>
+          <a:p>
+            <a:r>
+              <a:rPr lang="de-DE" dirty="0"/>
+              <a:t>w*</a:t>
+            </a:r>
           </a:p>
         </p:txBody>
       </p:sp>
     </p:spTree>
     <p:extLst>
       <p:ext uri="{BB962C8B-B14F-4D97-AF65-F5344CB8AC3E}">
-        <p14:creationId xmlns:p14="http://schemas.microsoft.com/office/powerpoint/2010/main" val="2953397228"/>
+        <p14:creationId xmlns:p14="http://schemas.microsoft.com/office/powerpoint/2010/main" val="3829231600"/>
       </p:ext>
     </p:extLst>
   </p:cSld>
@@ -3985,6 +7654,14 @@
 <file path=ppt/slides/slide8.xml><?xml version="1.0" encoding="utf-8"?>
 <p:sld xmlns:a="http://schemas.openxmlformats.org/drawingml/2006/main" xmlns:r="http://schemas.openxmlformats.org/officeDocument/2006/relationships" xmlns:p="http://schemas.openxmlformats.org/presentationml/2006/main">
   <p:cSld>
+    <p:bg>
+      <p:bgPr>
+        <a:solidFill>
+          <a:schemeClr val="bg1"/>
+        </a:solidFill>
+        <a:effectLst/>
+      </p:bgPr>
+    </p:bg>
     <p:spTree>
       <p:nvGrpSpPr>
         <p:cNvPr id="1" name=""/>
@@ -4004,7 +7681,7 @@
           <p:cNvPr id="2" name="Titel 1">
             <a:extLst>
               <a:ext uri="{FF2B5EF4-FFF2-40B4-BE49-F238E27FC236}">
-                <a16:creationId xmlns:a16="http://schemas.microsoft.com/office/drawing/2014/main" id="{7C8B2397-048B-4995-B1DF-63D51CF9789D}"/>
+                <a16:creationId xmlns:a16="http://schemas.microsoft.com/office/drawing/2014/main" id="{2F1E5A69-44F0-44D6-8DC8-B7272566D0A4}"/>
               </a:ext>
             </a:extLst>
           </p:cNvPr>
@@ -4022,8 +7699,13 @@
           <a:p>
             <a:r>
               <a:rPr lang="de-DE" dirty="0"/>
-              <a:t>Fehleranalyse</a:t>
-            </a:r>
+              <a:t>Details der Implementierung - </a:t>
+            </a:r>
+            <a:r>
+              <a:rPr lang="de-DE" dirty="0" err="1"/>
+              <a:t>Stencils</a:t>
+            </a:r>
+            <a:endParaRPr lang="de-DE" dirty="0"/>
           </a:p>
         </p:txBody>
       </p:sp>
@@ -4032,7 +7714,7 @@
           <p:cNvPr id="3" name="Inhaltsplatzhalter 2">
             <a:extLst>
               <a:ext uri="{FF2B5EF4-FFF2-40B4-BE49-F238E27FC236}">
-                <a16:creationId xmlns:a16="http://schemas.microsoft.com/office/drawing/2014/main" id="{5226BAD6-435D-4C6D-A5D8-CBB046889697}"/>
+                <a16:creationId xmlns:a16="http://schemas.microsoft.com/office/drawing/2014/main" id="{A06F2CC8-736C-4A07-BC26-38A0B0542614}"/>
               </a:ext>
             </a:extLst>
           </p:cNvPr>
@@ -4043,19 +7725,184 @@
             <p:ph idx="1"/>
           </p:nvPr>
         </p:nvSpPr>
-        <p:spPr/>
+        <p:spPr>
+          <a:xfrm>
+            <a:off x="838200" y="1825625"/>
+            <a:ext cx="6731000" cy="4351338"/>
+          </a:xfrm>
+        </p:spPr>
         <p:txBody>
           <a:bodyPr/>
           <a:lstStyle/>
           <a:p>
-            <a:endParaRPr lang="de-DE"/>
-          </a:p>
-        </p:txBody>
-      </p:sp>
+            <a:r>
+              <a:rPr lang="de-DE" dirty="0"/>
+              <a:t>Minimalen Abstand zum Rand berechnen</a:t>
+            </a:r>
+          </a:p>
+          <a:p>
+            <a:r>
+              <a:rPr lang="de-DE" dirty="0"/>
+              <a:t>Maximale Approximationsordnung wählen</a:t>
+            </a:r>
+          </a:p>
+          <a:p>
+            <a:r>
+              <a:rPr lang="de-DE" dirty="0"/>
+              <a:t>Entsprechendes Stencil generieren </a:t>
+            </a:r>
+          </a:p>
+        </p:txBody>
+      </p:sp>
+      <p:pic>
+        <p:nvPicPr>
+          <p:cNvPr id="5" name="Grafik 4">
+            <a:extLst>
+              <a:ext uri="{FF2B5EF4-FFF2-40B4-BE49-F238E27FC236}">
+                <a16:creationId xmlns:a16="http://schemas.microsoft.com/office/drawing/2014/main" id="{6C555DD6-1292-4CC8-849A-7692A08963EA}"/>
+              </a:ext>
+            </a:extLst>
+          </p:cNvPr>
+          <p:cNvPicPr>
+            <a:picLocks noChangeAspect="1"/>
+          </p:cNvPicPr>
+          <p:nvPr/>
+        </p:nvPicPr>
+        <p:blipFill rotWithShape="1">
+          <a:blip r:embed="rId2">
+            <a:extLst>
+              <a:ext uri="{28A0092B-C50C-407E-A947-70E740481C1C}">
+                <a14:useLocalDpi xmlns:a14="http://schemas.microsoft.com/office/drawing/2010/main" val="0"/>
+              </a:ext>
+            </a:extLst>
+          </a:blip>
+          <a:srcRect l="15972" t="7617" r="16319" b="4514"/>
+          <a:stretch/>
+        </p:blipFill>
+        <p:spPr>
+          <a:xfrm>
+            <a:off x="7660640" y="1690688"/>
+            <a:ext cx="3962400" cy="3856672"/>
+          </a:xfrm>
+          <a:prstGeom prst="rect">
+            <a:avLst/>
+          </a:prstGeom>
+        </p:spPr>
+      </p:pic>
     </p:spTree>
     <p:extLst>
       <p:ext uri="{BB962C8B-B14F-4D97-AF65-F5344CB8AC3E}">
-        <p14:creationId xmlns:p14="http://schemas.microsoft.com/office/powerpoint/2010/main" val="1630956823"/>
+        <p14:creationId xmlns:p14="http://schemas.microsoft.com/office/powerpoint/2010/main" val="49827521"/>
+      </p:ext>
+    </p:extLst>
+  </p:cSld>
+  <p:clrMapOvr>
+    <a:masterClrMapping/>
+  </p:clrMapOvr>
+</p:sld>
+</file>
+
+<file path=ppt/slides/slide9.xml><?xml version="1.0" encoding="utf-8"?>
+<p:sld xmlns:a="http://schemas.openxmlformats.org/drawingml/2006/main" xmlns:r="http://schemas.openxmlformats.org/officeDocument/2006/relationships" xmlns:p="http://schemas.openxmlformats.org/presentationml/2006/main">
+  <p:cSld>
+    <p:bg>
+      <p:bgPr>
+        <a:solidFill>
+          <a:schemeClr val="bg1"/>
+        </a:solidFill>
+        <a:effectLst/>
+      </p:bgPr>
+    </p:bg>
+    <p:spTree>
+      <p:nvGrpSpPr>
+        <p:cNvPr id="1" name=""/>
+        <p:cNvGrpSpPr/>
+        <p:nvPr/>
+      </p:nvGrpSpPr>
+      <p:grpSpPr>
+        <a:xfrm>
+          <a:off x="0" y="0"/>
+          <a:ext cx="0" cy="0"/>
+          <a:chOff x="0" y="0"/>
+          <a:chExt cx="0" cy="0"/>
+        </a:xfrm>
+      </p:grpSpPr>
+      <p:sp>
+        <p:nvSpPr>
+          <p:cNvPr id="2" name="Titel 1">
+            <a:extLst>
+              <a:ext uri="{FF2B5EF4-FFF2-40B4-BE49-F238E27FC236}">
+                <a16:creationId xmlns:a16="http://schemas.microsoft.com/office/drawing/2014/main" id="{2F1E5A69-44F0-44D6-8DC8-B7272566D0A4}"/>
+              </a:ext>
+            </a:extLst>
+          </p:cNvPr>
+          <p:cNvSpPr>
+            <a:spLocks noGrp="1"/>
+          </p:cNvSpPr>
+          <p:nvPr>
+            <p:ph type="title"/>
+          </p:nvPr>
+        </p:nvSpPr>
+        <p:spPr/>
+        <p:txBody>
+          <a:bodyPr/>
+          <a:lstStyle/>
+          <a:p>
+            <a:r>
+              <a:rPr lang="de-DE" dirty="0"/>
+              <a:t>Details der Implementierung – Runge-</a:t>
+            </a:r>
+            <a:r>
+              <a:rPr lang="de-DE" dirty="0" err="1"/>
+              <a:t>Kutta</a:t>
+            </a:r>
+            <a:r>
+              <a:rPr lang="de-DE" dirty="0"/>
+              <a:t> </a:t>
+            </a:r>
+          </a:p>
+        </p:txBody>
+      </p:sp>
+      <p:sp>
+        <p:nvSpPr>
+          <p:cNvPr id="3" name="Inhaltsplatzhalter 2">
+            <a:extLst>
+              <a:ext uri="{FF2B5EF4-FFF2-40B4-BE49-F238E27FC236}">
+                <a16:creationId xmlns:a16="http://schemas.microsoft.com/office/drawing/2014/main" id="{A06F2CC8-736C-4A07-BC26-38A0B0542614}"/>
+              </a:ext>
+            </a:extLst>
+          </p:cNvPr>
+          <p:cNvSpPr>
+            <a:spLocks noGrp="1"/>
+          </p:cNvSpPr>
+          <p:nvPr>
+            <p:ph idx="1"/>
+          </p:nvPr>
+        </p:nvSpPr>
+        <p:spPr>
+          <a:xfrm>
+            <a:off x="838200" y="1886585"/>
+            <a:ext cx="10515600" cy="4351338"/>
+          </a:xfrm>
+        </p:spPr>
+        <p:txBody>
+          <a:bodyPr/>
+          <a:lstStyle/>
+          <a:p>
+            <a:pPr marL="0" indent="0">
+              <a:buNone/>
+            </a:pPr>
+            <a:r>
+              <a:rPr lang="de-DE" dirty="0"/>
+              <a:t> </a:t>
+            </a:r>
+          </a:p>
+        </p:txBody>
+      </p:sp>
+    </p:spTree>
+    <p:extLst>
+      <p:ext uri="{BB962C8B-B14F-4D97-AF65-F5344CB8AC3E}">
+        <p14:creationId xmlns:p14="http://schemas.microsoft.com/office/powerpoint/2010/main" val="2560660053"/>
       </p:ext>
     </p:extLst>
   </p:cSld>
